--- a/static/img/mission/Intelligent-Agent-for-Hearable.pptx
+++ b/static/img/mission/Intelligent-Agent-for-Hearable.pptx
@@ -1236,7 +1236,7 @@
           <a:p>
             <a:fld id="{A05B6EAF-75A3-4B3A-A537-4F154141A036}" type="datetimeFigureOut">
               <a:rPr lang="en-US" smtClean="0"/>
-              <a:t>9/9/2016</a:t>
+              <a:t>9/11/2016</a:t>
             </a:fld>
             <a:endParaRPr lang="en-US"/>
           </a:p>
@@ -1354,7 +1354,7 @@
           <a:p>
             <a:fld id="{A05B6EAF-75A3-4B3A-A537-4F154141A036}" type="datetimeFigureOut">
               <a:rPr lang="en-US" smtClean="0"/>
-              <a:t>9/9/2016</a:t>
+              <a:t>9/11/2016</a:t>
             </a:fld>
             <a:endParaRPr lang="en-US"/>
           </a:p>
@@ -1449,7 +1449,7 @@
           <a:p>
             <a:fld id="{A05B6EAF-75A3-4B3A-A537-4F154141A036}" type="datetimeFigureOut">
               <a:rPr lang="en-US" smtClean="0"/>
-              <a:t>9/9/2016</a:t>
+              <a:t>9/11/2016</a:t>
             </a:fld>
             <a:endParaRPr lang="en-US"/>
           </a:p>
@@ -1726,7 +1726,7 @@
           <a:p>
             <a:fld id="{A05B6EAF-75A3-4B3A-A537-4F154141A036}" type="datetimeFigureOut">
               <a:rPr lang="en-US" smtClean="0"/>
-              <a:t>9/9/2016</a:t>
+              <a:t>9/11/2016</a:t>
             </a:fld>
             <a:endParaRPr lang="en-US"/>
           </a:p>
@@ -1979,7 +1979,7 @@
           <a:p>
             <a:fld id="{A05B6EAF-75A3-4B3A-A537-4F154141A036}" type="datetimeFigureOut">
               <a:rPr lang="en-US" smtClean="0"/>
-              <a:t>9/9/2016</a:t>
+              <a:t>9/11/2016</a:t>
             </a:fld>
             <a:endParaRPr lang="en-US"/>
           </a:p>
@@ -2149,7 +2149,7 @@
           <a:p>
             <a:fld id="{A05B6EAF-75A3-4B3A-A537-4F154141A036}" type="datetimeFigureOut">
               <a:rPr lang="en-US" smtClean="0"/>
-              <a:t>9/9/2016</a:t>
+              <a:t>9/11/2016</a:t>
             </a:fld>
             <a:endParaRPr lang="en-US"/>
           </a:p>
@@ -2329,7 +2329,7 @@
           <a:p>
             <a:fld id="{A05B6EAF-75A3-4B3A-A537-4F154141A036}" type="datetimeFigureOut">
               <a:rPr lang="en-US" smtClean="0"/>
-              <a:t>9/9/2016</a:t>
+              <a:t>9/11/2016</a:t>
             </a:fld>
             <a:endParaRPr lang="en-US"/>
           </a:p>
@@ -5130,7 +5130,7 @@
                   <a:spcPts val="0"/>
                 </a:spcAft>
               </a:pPr>
-              <a:t>9 September 2016</a:t>
+              <a:t>11 September 2016</a:t>
             </a:fld>
             <a:endParaRPr lang="en-GB">
               <a:solidFill>
@@ -5332,7 +5332,7 @@
           <a:p>
             <a:fld id="{A05B6EAF-75A3-4B3A-A537-4F154141A036}" type="datetimeFigureOut">
               <a:rPr lang="en-US" smtClean="0"/>
-              <a:t>9/9/2016</a:t>
+              <a:t>9/11/2016</a:t>
             </a:fld>
             <a:endParaRPr lang="en-US"/>
           </a:p>
@@ -5502,7 +5502,7 @@
           <a:p>
             <a:fld id="{A05B6EAF-75A3-4B3A-A537-4F154141A036}" type="datetimeFigureOut">
               <a:rPr lang="en-US" smtClean="0"/>
-              <a:t>9/9/2016</a:t>
+              <a:t>9/11/2016</a:t>
             </a:fld>
             <a:endParaRPr lang="en-US"/>
           </a:p>
@@ -5976,7 +5976,7 @@
           <a:p>
             <a:fld id="{A05B6EAF-75A3-4B3A-A537-4F154141A036}" type="datetimeFigureOut">
               <a:rPr lang="en-US" smtClean="0"/>
-              <a:t>9/9/2016</a:t>
+              <a:t>9/11/2016</a:t>
             </a:fld>
             <a:endParaRPr lang="en-US"/>
           </a:p>
@@ -6208,7 +6208,7 @@
           <a:p>
             <a:fld id="{A05B6EAF-75A3-4B3A-A537-4F154141A036}" type="datetimeFigureOut">
               <a:rPr lang="en-US" smtClean="0"/>
-              <a:t>9/9/2016</a:t>
+              <a:t>9/11/2016</a:t>
             </a:fld>
             <a:endParaRPr lang="en-US"/>
           </a:p>
@@ -6575,7 +6575,7 @@
           <a:p>
             <a:fld id="{A05B6EAF-75A3-4B3A-A537-4F154141A036}" type="datetimeFigureOut">
               <a:rPr lang="en-US" smtClean="0"/>
-              <a:t>9/9/2016</a:t>
+              <a:t>9/11/2016</a:t>
             </a:fld>
             <a:endParaRPr lang="en-US"/>
           </a:p>
@@ -6693,7 +6693,7 @@
           <a:p>
             <a:fld id="{A05B6EAF-75A3-4B3A-A537-4F154141A036}" type="datetimeFigureOut">
               <a:rPr lang="en-US" smtClean="0"/>
-              <a:t>9/9/2016</a:t>
+              <a:t>9/11/2016</a:t>
             </a:fld>
             <a:endParaRPr lang="en-US"/>
           </a:p>
@@ -6788,7 +6788,7 @@
           <a:p>
             <a:fld id="{A05B6EAF-75A3-4B3A-A537-4F154141A036}" type="datetimeFigureOut">
               <a:rPr lang="en-US" smtClean="0"/>
-              <a:t>9/9/2016</a:t>
+              <a:t>9/11/2016</a:t>
             </a:fld>
             <a:endParaRPr lang="en-US"/>
           </a:p>
@@ -7065,7 +7065,7 @@
           <a:p>
             <a:fld id="{A05B6EAF-75A3-4B3A-A537-4F154141A036}" type="datetimeFigureOut">
               <a:rPr lang="en-US" smtClean="0"/>
-              <a:t>9/9/2016</a:t>
+              <a:t>9/11/2016</a:t>
             </a:fld>
             <a:endParaRPr lang="en-US"/>
           </a:p>
@@ -7322,7 +7322,7 @@
           <a:p>
             <a:fld id="{A05B6EAF-75A3-4B3A-A537-4F154141A036}" type="datetimeFigureOut">
               <a:rPr lang="en-US" smtClean="0"/>
-              <a:t>9/9/2016</a:t>
+              <a:t>9/11/2016</a:t>
             </a:fld>
             <a:endParaRPr lang="en-US"/>
           </a:p>
@@ -7492,7 +7492,7 @@
           <a:p>
             <a:fld id="{A05B6EAF-75A3-4B3A-A537-4F154141A036}" type="datetimeFigureOut">
               <a:rPr lang="en-US" smtClean="0"/>
-              <a:t>9/9/2016</a:t>
+              <a:t>9/11/2016</a:t>
             </a:fld>
             <a:endParaRPr lang="en-US"/>
           </a:p>
@@ -7672,7 +7672,7 @@
           <a:p>
             <a:fld id="{A05B6EAF-75A3-4B3A-A537-4F154141A036}" type="datetimeFigureOut">
               <a:rPr lang="en-US" smtClean="0"/>
-              <a:t>9/9/2016</a:t>
+              <a:t>9/11/2016</a:t>
             </a:fld>
             <a:endParaRPr lang="en-US"/>
           </a:p>
@@ -7961,7 +7961,7 @@
           <a:p>
             <a:fld id="{A05B6EAF-75A3-4B3A-A537-4F154141A036}" type="datetimeFigureOut">
               <a:rPr lang="en-US" smtClean="0"/>
-              <a:t>9/9/2016</a:t>
+              <a:t>9/11/2016</a:t>
             </a:fld>
             <a:endParaRPr lang="en-US"/>
           </a:p>
@@ -8131,7 +8131,7 @@
           <a:p>
             <a:fld id="{A05B6EAF-75A3-4B3A-A537-4F154141A036}" type="datetimeFigureOut">
               <a:rPr lang="en-US" smtClean="0"/>
-              <a:t>9/9/2016</a:t>
+              <a:t>9/11/2016</a:t>
             </a:fld>
             <a:endParaRPr lang="en-US"/>
           </a:p>
@@ -8377,7 +8377,7 @@
           <a:p>
             <a:fld id="{A05B6EAF-75A3-4B3A-A537-4F154141A036}" type="datetimeFigureOut">
               <a:rPr lang="en-US" smtClean="0"/>
-              <a:t>9/9/2016</a:t>
+              <a:t>9/11/2016</a:t>
             </a:fld>
             <a:endParaRPr lang="en-US"/>
           </a:p>
@@ -8609,7 +8609,7 @@
           <a:p>
             <a:fld id="{A05B6EAF-75A3-4B3A-A537-4F154141A036}" type="datetimeFigureOut">
               <a:rPr lang="en-US" smtClean="0"/>
-              <a:t>9/9/2016</a:t>
+              <a:t>9/11/2016</a:t>
             </a:fld>
             <a:endParaRPr lang="en-US"/>
           </a:p>
@@ -9473,7 +9473,7 @@
           <a:p>
             <a:fld id="{A05B6EAF-75A3-4B3A-A537-4F154141A036}" type="datetimeFigureOut">
               <a:rPr lang="en-US" smtClean="0"/>
-              <a:t>9/9/2016</a:t>
+              <a:t>9/11/2016</a:t>
             </a:fld>
             <a:endParaRPr lang="en-US"/>
           </a:p>
@@ -10658,7 +10658,7 @@
           <a:p>
             <a:fld id="{C764DE79-268F-4C1A-8933-263129D2AF90}" type="datetimeFigureOut">
               <a:rPr lang="en-US" dirty="0"/>
-              <a:t>9/9/2016</a:t>
+              <a:t>9/11/2016</a:t>
             </a:fld>
             <a:endParaRPr lang="en-US" dirty="0"/>
           </a:p>
@@ -11128,489 +11128,2329 @@
       </p:pic>
       <p:grpSp>
         <p:nvGrpSpPr>
-          <p:cNvPr id="72" name="Group 71"/>
+          <p:cNvPr id="3" name="Group 2"/>
           <p:cNvGrpSpPr/>
           <p:nvPr/>
         </p:nvGrpSpPr>
         <p:grpSpPr>
           <a:xfrm>
-            <a:off x="398690" y="1771205"/>
-            <a:ext cx="8811810" cy="8044870"/>
-            <a:chOff x="1595273" y="1315303"/>
-            <a:chExt cx="5581150" cy="5128297"/>
+            <a:off x="398690" y="5086289"/>
+            <a:ext cx="2299497" cy="2179113"/>
+            <a:chOff x="1495385" y="3428542"/>
+            <a:chExt cx="1456436" cy="1389101"/>
+          </a:xfrm>
+        </p:grpSpPr>
+        <p:sp>
+          <p:nvSpPr>
+            <p:cNvPr id="4" name="Freeform 3"/>
+            <p:cNvSpPr/>
+            <p:nvPr/>
+          </p:nvSpPr>
+          <p:spPr>
+            <a:xfrm>
+              <a:off x="1495385" y="3428542"/>
+              <a:ext cx="1429344" cy="1389101"/>
+            </a:xfrm>
+            <a:custGeom>
+              <a:avLst/>
+              <a:gdLst>
+                <a:gd name="connsiteX0" fmla="*/ 648412 w 745056"/>
+                <a:gd name="connsiteY0" fmla="*/ 962161 h 1070464"/>
+                <a:gd name="connsiteX1" fmla="*/ 113153 w 745056"/>
+                <a:gd name="connsiteY1" fmla="*/ 984463 h 1070464"/>
+                <a:gd name="connsiteX2" fmla="*/ 53680 w 745056"/>
+                <a:gd name="connsiteY2" fmla="*/ 18024 h 1070464"/>
+                <a:gd name="connsiteX3" fmla="*/ 745056 w 745056"/>
+                <a:gd name="connsiteY3" fmla="*/ 330258 h 1070464"/>
+                <a:gd name="connsiteX4" fmla="*/ 745056 w 745056"/>
+                <a:gd name="connsiteY4" fmla="*/ 330258 h 1070464"/>
+              </a:gdLst>
+              <a:ahLst/>
+              <a:cxnLst>
+                <a:cxn ang="0">
+                  <a:pos x="connsiteX0" y="connsiteY0"/>
+                </a:cxn>
+                <a:cxn ang="0">
+                  <a:pos x="connsiteX1" y="connsiteY1"/>
+                </a:cxn>
+                <a:cxn ang="0">
+                  <a:pos x="connsiteX2" y="connsiteY2"/>
+                </a:cxn>
+                <a:cxn ang="0">
+                  <a:pos x="connsiteX3" y="connsiteY3"/>
+                </a:cxn>
+                <a:cxn ang="0">
+                  <a:pos x="connsiteX4" y="connsiteY4"/>
+                </a:cxn>
+              </a:cxnLst>
+              <a:rect l="l" t="t" r="r" b="b"/>
+              <a:pathLst>
+                <a:path w="745056" h="1070464">
+                  <a:moveTo>
+                    <a:pt x="648412" y="962161"/>
+                  </a:moveTo>
+                  <a:cubicBezTo>
+                    <a:pt x="430343" y="1051990"/>
+                    <a:pt x="212275" y="1141819"/>
+                    <a:pt x="113153" y="984463"/>
+                  </a:cubicBezTo>
+                  <a:cubicBezTo>
+                    <a:pt x="14031" y="827107"/>
+                    <a:pt x="-51637" y="127058"/>
+                    <a:pt x="53680" y="18024"/>
+                  </a:cubicBezTo>
+                  <a:cubicBezTo>
+                    <a:pt x="158997" y="-91010"/>
+                    <a:pt x="745056" y="330258"/>
+                    <a:pt x="745056" y="330258"/>
+                  </a:cubicBezTo>
+                  <a:lnTo>
+                    <a:pt x="745056" y="330258"/>
+                  </a:lnTo>
+                </a:path>
+              </a:pathLst>
+            </a:custGeom>
+            <a:noFill/>
+            <a:ln w="38100">
+              <a:solidFill>
+                <a:schemeClr val="accent3">
+                  <a:lumMod val="50000"/>
+                </a:schemeClr>
+              </a:solidFill>
+              <a:headEnd type="none" w="med" len="med"/>
+              <a:tailEnd type="arrow" w="med" len="med"/>
+            </a:ln>
+          </p:spPr>
+          <p:style>
+            <a:lnRef idx="2">
+              <a:schemeClr val="accent1">
+                <a:shade val="50000"/>
+              </a:schemeClr>
+            </a:lnRef>
+            <a:fillRef idx="1">
+              <a:schemeClr val="accent1"/>
+            </a:fillRef>
+            <a:effectRef idx="0">
+              <a:schemeClr val="accent1"/>
+            </a:effectRef>
+            <a:fontRef idx="minor">
+              <a:schemeClr val="lt1"/>
+            </a:fontRef>
+          </p:style>
+          <p:txBody>
+            <a:bodyPr rtlCol="0" anchor="ctr"/>
+            <a:lstStyle/>
+            <a:p>
+              <a:pPr algn="ctr"/>
+              <a:endParaRPr lang="en-US"/>
+            </a:p>
+          </p:txBody>
+        </p:sp>
+        <p:sp>
+          <p:nvSpPr>
+            <p:cNvPr id="5" name="TextBox 4"/>
+            <p:cNvSpPr txBox="1"/>
+            <p:nvPr/>
+          </p:nvSpPr>
+          <p:spPr>
+            <a:xfrm>
+              <a:off x="1558200" y="3924904"/>
+              <a:ext cx="1393621" cy="365813"/>
+            </a:xfrm>
+            <a:prstGeom prst="rect">
+              <a:avLst/>
+            </a:prstGeom>
+            <a:noFill/>
+            <a:effectLst/>
+          </p:spPr>
+          <p:txBody>
+            <a:bodyPr wrap="square" rtlCol="0">
+              <a:spAutoFit/>
+            </a:bodyPr>
+            <a:lstStyle/>
+            <a:p>
+              <a:pPr algn="ctr"/>
+              <a:r>
+                <a:rPr lang="en-US" sz="4200" dirty="0">
+                  <a:solidFill>
+                    <a:schemeClr val="accent3">
+                      <a:lumMod val="50000"/>
+                    </a:schemeClr>
+                  </a:solidFill>
+                </a:rPr>
+                <a:t>adapt</a:t>
+              </a:r>
+            </a:p>
+          </p:txBody>
+        </p:sp>
+      </p:grpSp>
+      <p:grpSp>
+        <p:nvGrpSpPr>
+          <p:cNvPr id="6" name="Group 5"/>
+          <p:cNvGrpSpPr/>
+          <p:nvPr/>
+        </p:nvGrpSpPr>
+        <p:grpSpPr>
+          <a:xfrm>
+            <a:off x="700267" y="1771205"/>
+            <a:ext cx="5544103" cy="1503941"/>
+            <a:chOff x="1686395" y="1315303"/>
+            <a:chExt cx="3511477" cy="958705"/>
+          </a:xfrm>
+        </p:grpSpPr>
+        <p:sp>
+          <p:nvSpPr>
+            <p:cNvPr id="7" name="Freeform 6"/>
+            <p:cNvSpPr/>
+            <p:nvPr/>
+          </p:nvSpPr>
+          <p:spPr>
+            <a:xfrm rot="20519587">
+              <a:off x="1782597" y="1445245"/>
+              <a:ext cx="3415275" cy="828763"/>
+            </a:xfrm>
+            <a:custGeom>
+              <a:avLst/>
+              <a:gdLst>
+                <a:gd name="connsiteX0" fmla="*/ 0 w 3070303"/>
+                <a:gd name="connsiteY0" fmla="*/ 1078793 h 1078793"/>
+                <a:gd name="connsiteX1" fmla="*/ 743415 w 3070303"/>
+                <a:gd name="connsiteY1" fmla="*/ 320510 h 1078793"/>
+                <a:gd name="connsiteX2" fmla="*/ 1962615 w 3070303"/>
+                <a:gd name="connsiteY2" fmla="*/ 842 h 1078793"/>
+                <a:gd name="connsiteX3" fmla="*/ 3070303 w 3070303"/>
+                <a:gd name="connsiteY3" fmla="*/ 402286 h 1078793"/>
+              </a:gdLst>
+              <a:ahLst/>
+              <a:cxnLst>
+                <a:cxn ang="0">
+                  <a:pos x="connsiteX0" y="connsiteY0"/>
+                </a:cxn>
+                <a:cxn ang="0">
+                  <a:pos x="connsiteX1" y="connsiteY1"/>
+                </a:cxn>
+                <a:cxn ang="0">
+                  <a:pos x="connsiteX2" y="connsiteY2"/>
+                </a:cxn>
+                <a:cxn ang="0">
+                  <a:pos x="connsiteX3" y="connsiteY3"/>
+                </a:cxn>
+              </a:cxnLst>
+              <a:rect l="l" t="t" r="r" b="b"/>
+              <a:pathLst>
+                <a:path w="3070303" h="1078793">
+                  <a:moveTo>
+                    <a:pt x="0" y="1078793"/>
+                  </a:moveTo>
+                  <a:cubicBezTo>
+                    <a:pt x="208156" y="789480"/>
+                    <a:pt x="416313" y="500168"/>
+                    <a:pt x="743415" y="320510"/>
+                  </a:cubicBezTo>
+                  <a:cubicBezTo>
+                    <a:pt x="1070517" y="140852"/>
+                    <a:pt x="1574800" y="-12787"/>
+                    <a:pt x="1962615" y="842"/>
+                  </a:cubicBezTo>
+                  <a:cubicBezTo>
+                    <a:pt x="2350430" y="14471"/>
+                    <a:pt x="2710366" y="208378"/>
+                    <a:pt x="3070303" y="402286"/>
+                  </a:cubicBezTo>
+                </a:path>
+              </a:pathLst>
+            </a:custGeom>
+            <a:noFill/>
+            <a:ln w="38100">
+              <a:solidFill>
+                <a:schemeClr val="accent3">
+                  <a:lumMod val="50000"/>
+                </a:schemeClr>
+              </a:solidFill>
+              <a:prstDash val="dash"/>
+              <a:headEnd type="none" w="med" len="med"/>
+              <a:tailEnd type="arrow" w="med" len="med"/>
+            </a:ln>
+          </p:spPr>
+          <p:style>
+            <a:lnRef idx="2">
+              <a:schemeClr val="accent1">
+                <a:shade val="50000"/>
+              </a:schemeClr>
+            </a:lnRef>
+            <a:fillRef idx="1">
+              <a:schemeClr val="accent1"/>
+            </a:fillRef>
+            <a:effectRef idx="0">
+              <a:schemeClr val="accent1"/>
+            </a:effectRef>
+            <a:fontRef idx="minor">
+              <a:schemeClr val="lt1"/>
+            </a:fontRef>
+          </p:style>
+          <p:txBody>
+            <a:bodyPr rtlCol="0" anchor="ctr"/>
+            <a:lstStyle/>
+            <a:p>
+              <a:pPr algn="ctr"/>
+              <a:endParaRPr lang="en-US"/>
+            </a:p>
+          </p:txBody>
+        </p:sp>
+        <p:sp>
+          <p:nvSpPr>
+            <p:cNvPr id="8" name="TextBox 7"/>
+            <p:cNvSpPr txBox="1"/>
+            <p:nvPr/>
+          </p:nvSpPr>
+          <p:spPr>
+            <a:xfrm>
+              <a:off x="1686395" y="1315303"/>
+              <a:ext cx="1288493" cy="470870"/>
+            </a:xfrm>
+            <a:prstGeom prst="rect">
+              <a:avLst/>
+            </a:prstGeom>
+            <a:noFill/>
+            <a:effectLst/>
+          </p:spPr>
+          <p:txBody>
+            <a:bodyPr wrap="square" rtlCol="0">
+              <a:spAutoFit/>
+            </a:bodyPr>
+            <a:lstStyle/>
+            <a:p>
+              <a:pPr algn="r"/>
+              <a:r>
+                <a:rPr lang="en-US" sz="4200" dirty="0">
+                  <a:solidFill>
+                    <a:schemeClr val="accent3">
+                      <a:lumMod val="50000"/>
+                    </a:schemeClr>
+                  </a:solidFill>
+                </a:rPr>
+                <a:t>repeat </a:t>
+              </a:r>
+            </a:p>
+          </p:txBody>
+        </p:sp>
+      </p:grpSp>
+      <p:sp>
+        <p:nvSpPr>
+          <p:cNvPr id="10" name="TextBox 9"/>
+          <p:cNvSpPr txBox="1"/>
+          <p:nvPr/>
+        </p:nvSpPr>
+        <p:spPr>
+          <a:xfrm>
+            <a:off x="1240698" y="8688773"/>
+            <a:ext cx="3974546" cy="573859"/>
+          </a:xfrm>
+          <a:prstGeom prst="rect">
+            <a:avLst/>
+          </a:prstGeom>
+          <a:noFill/>
+          <a:effectLst/>
+        </p:spPr>
+        <p:txBody>
+          <a:bodyPr wrap="square" rtlCol="0">
+            <a:spAutoFit/>
+          </a:bodyPr>
+          <a:lstStyle/>
+          <a:p>
+            <a:pPr algn="ctr"/>
+            <a:r>
+              <a:rPr lang="en-US" sz="4200" dirty="0">
+                <a:solidFill>
+                  <a:schemeClr val="accent3">
+                    <a:lumMod val="50000"/>
+                  </a:schemeClr>
+                </a:solidFill>
+              </a:rPr>
+              <a:t>evaluate</a:t>
+            </a:r>
+          </a:p>
+        </p:txBody>
+      </p:sp>
+      <p:sp>
+        <p:nvSpPr>
+          <p:cNvPr id="11" name="Freeform 10"/>
+          <p:cNvSpPr/>
+          <p:nvPr/>
+        </p:nvSpPr>
+        <p:spPr>
+          <a:xfrm>
+            <a:off x="3605474" y="8411574"/>
+            <a:ext cx="2865658" cy="961140"/>
+          </a:xfrm>
+          <a:custGeom>
+            <a:avLst/>
+            <a:gdLst>
+              <a:gd name="connsiteX0" fmla="*/ 1936750 w 1936750"/>
+              <a:gd name="connsiteY0" fmla="*/ 165100 h 643417"/>
+              <a:gd name="connsiteX1" fmla="*/ 977900 w 1936750"/>
+              <a:gd name="connsiteY1" fmla="*/ 641350 h 643417"/>
+              <a:gd name="connsiteX2" fmla="*/ 0 w 1936750"/>
+              <a:gd name="connsiteY2" fmla="*/ 0 h 643417"/>
+              <a:gd name="connsiteX3" fmla="*/ 0 w 1936750"/>
+              <a:gd name="connsiteY3" fmla="*/ 0 h 643417"/>
+            </a:gdLst>
+            <a:ahLst/>
+            <a:cxnLst>
+              <a:cxn ang="0">
+                <a:pos x="connsiteX0" y="connsiteY0"/>
+              </a:cxn>
+              <a:cxn ang="0">
+                <a:pos x="connsiteX1" y="connsiteY1"/>
+              </a:cxn>
+              <a:cxn ang="0">
+                <a:pos x="connsiteX2" y="connsiteY2"/>
+              </a:cxn>
+              <a:cxn ang="0">
+                <a:pos x="connsiteX3" y="connsiteY3"/>
+              </a:cxn>
+            </a:cxnLst>
+            <a:rect l="l" t="t" r="r" b="b"/>
+            <a:pathLst>
+              <a:path w="1936750" h="643417">
+                <a:moveTo>
+                  <a:pt x="1936750" y="165100"/>
+                </a:moveTo>
+                <a:cubicBezTo>
+                  <a:pt x="1618721" y="416983"/>
+                  <a:pt x="1300692" y="668867"/>
+                  <a:pt x="977900" y="641350"/>
+                </a:cubicBezTo>
+                <a:cubicBezTo>
+                  <a:pt x="655108" y="613833"/>
+                  <a:pt x="0" y="0"/>
+                  <a:pt x="0" y="0"/>
+                </a:cubicBezTo>
+                <a:lnTo>
+                  <a:pt x="0" y="0"/>
+                </a:lnTo>
+              </a:path>
+            </a:pathLst>
+          </a:custGeom>
+          <a:noFill/>
+          <a:ln w="38100">
+            <a:solidFill>
+              <a:schemeClr val="bg2">
+                <a:lumMod val="50000"/>
+              </a:schemeClr>
+            </a:solidFill>
+            <a:headEnd type="none" w="med" len="med"/>
+            <a:tailEnd type="arrow" w="med" len="med"/>
+          </a:ln>
+          <a:effectLst/>
+        </p:spPr>
+        <p:style>
+          <a:lnRef idx="2">
+            <a:schemeClr val="accent1">
+              <a:shade val="50000"/>
+            </a:schemeClr>
+          </a:lnRef>
+          <a:fillRef idx="1">
+            <a:schemeClr val="accent1"/>
+          </a:fillRef>
+          <a:effectRef idx="0">
+            <a:schemeClr val="accent1"/>
+          </a:effectRef>
+          <a:fontRef idx="minor">
+            <a:schemeClr val="lt1"/>
+          </a:fontRef>
+        </p:style>
+        <p:txBody>
+          <a:bodyPr rtlCol="0" anchor="ctr"/>
+          <a:lstStyle/>
+          <a:p>
+            <a:pPr algn="ctr"/>
+            <a:endParaRPr lang="en-US" sz="1260">
+              <a:solidFill>
+                <a:srgbClr val="A8927A"/>
+              </a:solidFill>
+            </a:endParaRPr>
+          </a:p>
+        </p:txBody>
+      </p:sp>
+      <p:cxnSp>
+        <p:nvCxnSpPr>
+          <p:cNvPr id="16" name="Straight Arrow Connector 15"/>
+          <p:cNvCxnSpPr/>
+          <p:nvPr/>
+        </p:nvCxnSpPr>
+        <p:spPr>
+          <a:xfrm flipH="1">
+            <a:off x="7359997" y="6009404"/>
+            <a:ext cx="9243" cy="1150345"/>
+          </a:xfrm>
+          <a:prstGeom prst="straightConnector1">
+            <a:avLst/>
+          </a:prstGeom>
+          <a:ln w="28575">
+            <a:solidFill>
+              <a:schemeClr val="bg2">
+                <a:lumMod val="50000"/>
+              </a:schemeClr>
+            </a:solidFill>
+            <a:headEnd type="none" w="med" len="med"/>
+            <a:tailEnd type="arrow" w="med" len="med"/>
+          </a:ln>
+          <a:effectLst/>
+        </p:spPr>
+        <p:style>
+          <a:lnRef idx="1">
+            <a:schemeClr val="accent1"/>
+          </a:lnRef>
+          <a:fillRef idx="0">
+            <a:schemeClr val="accent1"/>
+          </a:fillRef>
+          <a:effectRef idx="0">
+            <a:schemeClr val="accent1"/>
+          </a:effectRef>
+          <a:fontRef idx="minor">
+            <a:schemeClr val="tx1"/>
+          </a:fontRef>
+        </p:style>
+      </p:cxnSp>
+      <p:cxnSp>
+        <p:nvCxnSpPr>
+          <p:cNvPr id="17" name="Straight Arrow Connector 16"/>
+          <p:cNvCxnSpPr/>
+          <p:nvPr/>
+        </p:nvCxnSpPr>
+        <p:spPr>
+          <a:xfrm flipH="1">
+            <a:off x="7359997" y="3172572"/>
+            <a:ext cx="2" cy="1148263"/>
+          </a:xfrm>
+          <a:prstGeom prst="straightConnector1">
+            <a:avLst/>
+          </a:prstGeom>
+          <a:ln w="28575">
+            <a:solidFill>
+              <a:schemeClr val="bg2">
+                <a:lumMod val="50000"/>
+              </a:schemeClr>
+            </a:solidFill>
+            <a:headEnd type="none" w="med" len="med"/>
+            <a:tailEnd type="arrow" w="med" len="med"/>
+          </a:ln>
+          <a:effectLst/>
+        </p:spPr>
+        <p:style>
+          <a:lnRef idx="1">
+            <a:schemeClr val="accent1"/>
+          </a:lnRef>
+          <a:fillRef idx="0">
+            <a:schemeClr val="accent1"/>
+          </a:fillRef>
+          <a:effectRef idx="0">
+            <a:schemeClr val="accent1"/>
+          </a:effectRef>
+          <a:fontRef idx="minor">
+            <a:schemeClr val="tx1"/>
+          </a:fontRef>
+        </p:style>
+      </p:cxnSp>
+      <p:sp>
+        <p:nvSpPr>
+          <p:cNvPr id="18" name="TextBox 17"/>
+          <p:cNvSpPr txBox="1"/>
+          <p:nvPr/>
+        </p:nvSpPr>
+        <p:spPr>
+          <a:xfrm>
+            <a:off x="7401759" y="3417638"/>
+            <a:ext cx="1518283" cy="423221"/>
+          </a:xfrm>
+          <a:prstGeom prst="rect">
+            <a:avLst/>
+          </a:prstGeom>
+          <a:noFill/>
+          <a:effectLst/>
+        </p:spPr>
+        <p:txBody>
+          <a:bodyPr wrap="square" rtlCol="0">
+            <a:spAutoFit/>
+          </a:bodyPr>
+          <a:lstStyle/>
+          <a:p>
+            <a:r>
+              <a:rPr lang="en-US" sz="2940" dirty="0">
+                <a:solidFill>
+                  <a:srgbClr val="A8927A"/>
+                </a:solidFill>
+              </a:rPr>
+              <a:t>audio in</a:t>
+            </a:r>
+          </a:p>
+        </p:txBody>
+      </p:sp>
+      <p:sp>
+        <p:nvSpPr>
+          <p:cNvPr id="19" name="TextBox 18"/>
+          <p:cNvSpPr txBox="1"/>
+          <p:nvPr/>
+        </p:nvSpPr>
+        <p:spPr>
+          <a:xfrm>
+            <a:off x="7391201" y="5951552"/>
+            <a:ext cx="1819299" cy="423221"/>
+          </a:xfrm>
+          <a:prstGeom prst="rect">
+            <a:avLst/>
+          </a:prstGeom>
+          <a:noFill/>
+          <a:effectLst/>
+        </p:spPr>
+        <p:txBody>
+          <a:bodyPr wrap="square" rtlCol="0">
+            <a:spAutoFit/>
+          </a:bodyPr>
+          <a:lstStyle/>
+          <a:p>
+            <a:r>
+              <a:rPr lang="en-US" sz="2940" dirty="0">
+                <a:solidFill>
+                  <a:srgbClr val="A8927A"/>
+                </a:solidFill>
+              </a:rPr>
+              <a:t>audio out</a:t>
+            </a:r>
+          </a:p>
+        </p:txBody>
+      </p:sp>
+      <p:grpSp>
+        <p:nvGrpSpPr>
+          <p:cNvPr id="20" name="Group 19"/>
+          <p:cNvGrpSpPr/>
+          <p:nvPr/>
+        </p:nvGrpSpPr>
+        <p:grpSpPr>
+          <a:xfrm>
+            <a:off x="6125213" y="2835200"/>
+            <a:ext cx="988249" cy="631745"/>
+            <a:chOff x="16852900" y="7334250"/>
+            <a:chExt cx="957901" cy="1550194"/>
+          </a:xfrm>
+          <a:effectLst/>
+        </p:grpSpPr>
+        <p:cxnSp>
+          <p:nvCxnSpPr>
+            <p:cNvPr id="48" name="Straight Connector 47"/>
+            <p:cNvCxnSpPr/>
+            <p:nvPr/>
+          </p:nvCxnSpPr>
+          <p:spPr>
+            <a:xfrm flipV="1">
+              <a:off x="16852900" y="7937500"/>
+              <a:ext cx="76200" cy="400050"/>
+            </a:xfrm>
+            <a:prstGeom prst="line">
+              <a:avLst/>
+            </a:prstGeom>
+            <a:ln w="28575">
+              <a:solidFill>
+                <a:srgbClr val="0070C0"/>
+              </a:solidFill>
+            </a:ln>
+          </p:spPr>
+          <p:style>
+            <a:lnRef idx="1">
+              <a:schemeClr val="accent1"/>
+            </a:lnRef>
+            <a:fillRef idx="0">
+              <a:schemeClr val="accent1"/>
+            </a:fillRef>
+            <a:effectRef idx="0">
+              <a:schemeClr val="accent1"/>
+            </a:effectRef>
+            <a:fontRef idx="minor">
+              <a:schemeClr val="tx1"/>
+            </a:fontRef>
+          </p:style>
+        </p:cxnSp>
+        <p:cxnSp>
+          <p:nvCxnSpPr>
+            <p:cNvPr id="49" name="Straight Connector 48"/>
+            <p:cNvCxnSpPr/>
+            <p:nvPr/>
+          </p:nvCxnSpPr>
+          <p:spPr>
+            <a:xfrm>
+              <a:off x="16925925" y="7936706"/>
+              <a:ext cx="66065" cy="547688"/>
+            </a:xfrm>
+            <a:prstGeom prst="line">
+              <a:avLst/>
+            </a:prstGeom>
+            <a:ln w="28575">
+              <a:solidFill>
+                <a:srgbClr val="0070C0"/>
+              </a:solidFill>
+            </a:ln>
+          </p:spPr>
+          <p:style>
+            <a:lnRef idx="1">
+              <a:schemeClr val="accent1"/>
+            </a:lnRef>
+            <a:fillRef idx="0">
+              <a:schemeClr val="accent1"/>
+            </a:fillRef>
+            <a:effectRef idx="0">
+              <a:schemeClr val="accent1"/>
+            </a:effectRef>
+            <a:fontRef idx="minor">
+              <a:schemeClr val="tx1"/>
+            </a:fontRef>
+          </p:style>
+        </p:cxnSp>
+        <p:cxnSp>
+          <p:nvCxnSpPr>
+            <p:cNvPr id="50" name="Straight Connector 49"/>
+            <p:cNvCxnSpPr/>
+            <p:nvPr/>
+          </p:nvCxnSpPr>
+          <p:spPr>
+            <a:xfrm flipV="1">
+              <a:off x="16994981" y="7624763"/>
+              <a:ext cx="54759" cy="859631"/>
+            </a:xfrm>
+            <a:prstGeom prst="line">
+              <a:avLst/>
+            </a:prstGeom>
+            <a:ln w="28575">
+              <a:solidFill>
+                <a:srgbClr val="0070C0"/>
+              </a:solidFill>
+            </a:ln>
+          </p:spPr>
+          <p:style>
+            <a:lnRef idx="1">
+              <a:schemeClr val="accent1"/>
+            </a:lnRef>
+            <a:fillRef idx="0">
+              <a:schemeClr val="accent1"/>
+            </a:fillRef>
+            <a:effectRef idx="0">
+              <a:schemeClr val="accent1"/>
+            </a:effectRef>
+            <a:fontRef idx="minor">
+              <a:schemeClr val="tx1"/>
+            </a:fontRef>
+          </p:style>
+        </p:cxnSp>
+        <p:cxnSp>
+          <p:nvCxnSpPr>
+            <p:cNvPr id="51" name="Straight Connector 50"/>
+            <p:cNvCxnSpPr/>
+            <p:nvPr/>
+          </p:nvCxnSpPr>
+          <p:spPr>
+            <a:xfrm>
+              <a:off x="17049740" y="7620000"/>
+              <a:ext cx="65881" cy="1054894"/>
+            </a:xfrm>
+            <a:prstGeom prst="line">
+              <a:avLst/>
+            </a:prstGeom>
+            <a:ln w="28575">
+              <a:solidFill>
+                <a:srgbClr val="0070C0"/>
+              </a:solidFill>
+            </a:ln>
+          </p:spPr>
+          <p:style>
+            <a:lnRef idx="1">
+              <a:schemeClr val="accent1"/>
+            </a:lnRef>
+            <a:fillRef idx="0">
+              <a:schemeClr val="accent1"/>
+            </a:fillRef>
+            <a:effectRef idx="0">
+              <a:schemeClr val="accent1"/>
+            </a:effectRef>
+            <a:fontRef idx="minor">
+              <a:schemeClr val="tx1"/>
+            </a:fontRef>
+          </p:style>
+        </p:cxnSp>
+        <p:cxnSp>
+          <p:nvCxnSpPr>
+            <p:cNvPr id="52" name="Straight Connector 51"/>
+            <p:cNvCxnSpPr/>
+            <p:nvPr/>
+          </p:nvCxnSpPr>
+          <p:spPr>
+            <a:xfrm flipV="1">
+              <a:off x="17115621" y="7400753"/>
+              <a:ext cx="48429" cy="1269378"/>
+            </a:xfrm>
+            <a:prstGeom prst="line">
+              <a:avLst/>
+            </a:prstGeom>
+            <a:ln w="28575">
+              <a:solidFill>
+                <a:srgbClr val="0070C0"/>
+              </a:solidFill>
+            </a:ln>
+          </p:spPr>
+          <p:style>
+            <a:lnRef idx="1">
+              <a:schemeClr val="accent1"/>
+            </a:lnRef>
+            <a:fillRef idx="0">
+              <a:schemeClr val="accent1"/>
+            </a:fillRef>
+            <a:effectRef idx="0">
+              <a:schemeClr val="accent1"/>
+            </a:effectRef>
+            <a:fontRef idx="minor">
+              <a:schemeClr val="tx1"/>
+            </a:fontRef>
+          </p:style>
+        </p:cxnSp>
+        <p:cxnSp>
+          <p:nvCxnSpPr>
+            <p:cNvPr id="53" name="Straight Connector 52"/>
+            <p:cNvCxnSpPr/>
+            <p:nvPr/>
+          </p:nvCxnSpPr>
+          <p:spPr>
+            <a:xfrm>
+              <a:off x="17170380" y="7400753"/>
+              <a:ext cx="30570" cy="1433685"/>
+            </a:xfrm>
+            <a:prstGeom prst="line">
+              <a:avLst/>
+            </a:prstGeom>
+            <a:ln w="28575">
+              <a:solidFill>
+                <a:srgbClr val="0070C0"/>
+              </a:solidFill>
+            </a:ln>
+          </p:spPr>
+          <p:style>
+            <a:lnRef idx="1">
+              <a:schemeClr val="accent1"/>
+            </a:lnRef>
+            <a:fillRef idx="0">
+              <a:schemeClr val="accent1"/>
+            </a:fillRef>
+            <a:effectRef idx="0">
+              <a:schemeClr val="accent1"/>
+            </a:effectRef>
+            <a:fontRef idx="minor">
+              <a:schemeClr val="tx1"/>
+            </a:fontRef>
+          </p:style>
+        </p:cxnSp>
+        <p:cxnSp>
+          <p:nvCxnSpPr>
+            <p:cNvPr id="54" name="Straight Connector 53"/>
+            <p:cNvCxnSpPr/>
+            <p:nvPr/>
+          </p:nvCxnSpPr>
+          <p:spPr>
+            <a:xfrm flipV="1">
+              <a:off x="17200950" y="7334250"/>
+              <a:ext cx="60731" cy="1508617"/>
+            </a:xfrm>
+            <a:prstGeom prst="line">
+              <a:avLst/>
+            </a:prstGeom>
+            <a:ln w="28575">
+              <a:solidFill>
+                <a:srgbClr val="0070C0"/>
+              </a:solidFill>
+            </a:ln>
+          </p:spPr>
+          <p:style>
+            <a:lnRef idx="1">
+              <a:schemeClr val="accent1"/>
+            </a:lnRef>
+            <a:fillRef idx="0">
+              <a:schemeClr val="accent1"/>
+            </a:fillRef>
+            <a:effectRef idx="0">
+              <a:schemeClr val="accent1"/>
+            </a:effectRef>
+            <a:fontRef idx="minor">
+              <a:schemeClr val="tx1"/>
+            </a:fontRef>
+          </p:style>
+        </p:cxnSp>
+        <p:cxnSp>
+          <p:nvCxnSpPr>
+            <p:cNvPr id="55" name="Straight Connector 54"/>
+            <p:cNvCxnSpPr/>
+            <p:nvPr/>
+          </p:nvCxnSpPr>
+          <p:spPr>
+            <a:xfrm>
+              <a:off x="17255709" y="7336631"/>
+              <a:ext cx="55979" cy="1545432"/>
+            </a:xfrm>
+            <a:prstGeom prst="line">
+              <a:avLst/>
+            </a:prstGeom>
+            <a:ln w="28575">
+              <a:solidFill>
+                <a:srgbClr val="0070C0"/>
+              </a:solidFill>
+            </a:ln>
+          </p:spPr>
+          <p:style>
+            <a:lnRef idx="1">
+              <a:schemeClr val="accent1"/>
+            </a:lnRef>
+            <a:fillRef idx="0">
+              <a:schemeClr val="accent1"/>
+            </a:fillRef>
+            <a:effectRef idx="0">
+              <a:schemeClr val="accent1"/>
+            </a:effectRef>
+            <a:fontRef idx="minor">
+              <a:schemeClr val="tx1"/>
+            </a:fontRef>
+          </p:style>
+        </p:cxnSp>
+        <p:cxnSp>
+          <p:nvCxnSpPr>
+            <p:cNvPr id="56" name="Straight Connector 55"/>
+            <p:cNvCxnSpPr/>
+            <p:nvPr/>
+          </p:nvCxnSpPr>
+          <p:spPr>
+            <a:xfrm flipV="1">
+              <a:off x="17314069" y="7476840"/>
+              <a:ext cx="33337" cy="1407604"/>
+            </a:xfrm>
+            <a:prstGeom prst="line">
+              <a:avLst/>
+            </a:prstGeom>
+            <a:ln w="28575">
+              <a:solidFill>
+                <a:srgbClr val="0070C0"/>
+              </a:solidFill>
+            </a:ln>
+          </p:spPr>
+          <p:style>
+            <a:lnRef idx="1">
+              <a:schemeClr val="accent1"/>
+            </a:lnRef>
+            <a:fillRef idx="0">
+              <a:schemeClr val="accent1"/>
+            </a:fillRef>
+            <a:effectRef idx="0">
+              <a:schemeClr val="accent1"/>
+            </a:effectRef>
+            <a:fontRef idx="minor">
+              <a:schemeClr val="tx1"/>
+            </a:fontRef>
+          </p:style>
+        </p:cxnSp>
+        <p:cxnSp>
+          <p:nvCxnSpPr>
+            <p:cNvPr id="57" name="Straight Connector 56"/>
+            <p:cNvCxnSpPr/>
+            <p:nvPr/>
+          </p:nvCxnSpPr>
+          <p:spPr>
+            <a:xfrm>
+              <a:off x="17345025" y="7476840"/>
+              <a:ext cx="52388" cy="1270652"/>
+            </a:xfrm>
+            <a:prstGeom prst="line">
+              <a:avLst/>
+            </a:prstGeom>
+            <a:ln w="28575">
+              <a:solidFill>
+                <a:srgbClr val="0070C0"/>
+              </a:solidFill>
+            </a:ln>
+          </p:spPr>
+          <p:style>
+            <a:lnRef idx="1">
+              <a:schemeClr val="accent1"/>
+            </a:lnRef>
+            <a:fillRef idx="0">
+              <a:schemeClr val="accent1"/>
+            </a:fillRef>
+            <a:effectRef idx="0">
+              <a:schemeClr val="accent1"/>
+            </a:effectRef>
+            <a:fontRef idx="minor">
+              <a:schemeClr val="tx1"/>
+            </a:fontRef>
+          </p:style>
+        </p:cxnSp>
+        <p:cxnSp>
+          <p:nvCxnSpPr>
+            <p:cNvPr id="58" name="Straight Connector 57"/>
+            <p:cNvCxnSpPr/>
+            <p:nvPr/>
+          </p:nvCxnSpPr>
+          <p:spPr>
+            <a:xfrm flipV="1">
+              <a:off x="17397413" y="7576560"/>
+              <a:ext cx="40481" cy="1170932"/>
+            </a:xfrm>
+            <a:prstGeom prst="line">
+              <a:avLst/>
+            </a:prstGeom>
+            <a:ln w="28575">
+              <a:solidFill>
+                <a:srgbClr val="0070C0"/>
+              </a:solidFill>
+            </a:ln>
+          </p:spPr>
+          <p:style>
+            <a:lnRef idx="1">
+              <a:schemeClr val="accent1"/>
+            </a:lnRef>
+            <a:fillRef idx="0">
+              <a:schemeClr val="accent1"/>
+            </a:fillRef>
+            <a:effectRef idx="0">
+              <a:schemeClr val="accent1"/>
+            </a:effectRef>
+            <a:fontRef idx="minor">
+              <a:schemeClr val="tx1"/>
+            </a:fontRef>
+          </p:style>
+        </p:cxnSp>
+        <p:cxnSp>
+          <p:nvCxnSpPr>
+            <p:cNvPr id="59" name="Straight Connector 58"/>
+            <p:cNvCxnSpPr/>
+            <p:nvPr/>
+          </p:nvCxnSpPr>
+          <p:spPr>
+            <a:xfrm>
+              <a:off x="17436865" y="7556500"/>
+              <a:ext cx="57240" cy="864817"/>
+            </a:xfrm>
+            <a:prstGeom prst="line">
+              <a:avLst/>
+            </a:prstGeom>
+            <a:ln w="28575">
+              <a:solidFill>
+                <a:srgbClr val="0070C0"/>
+              </a:solidFill>
+            </a:ln>
+          </p:spPr>
+          <p:style>
+            <a:lnRef idx="1">
+              <a:schemeClr val="accent1"/>
+            </a:lnRef>
+            <a:fillRef idx="0">
+              <a:schemeClr val="accent1"/>
+            </a:fillRef>
+            <a:effectRef idx="0">
+              <a:schemeClr val="accent1"/>
+            </a:effectRef>
+            <a:fontRef idx="minor">
+              <a:schemeClr val="tx1"/>
+            </a:fontRef>
+          </p:style>
+        </p:cxnSp>
+        <p:cxnSp>
+          <p:nvCxnSpPr>
+            <p:cNvPr id="60" name="Straight Connector 59"/>
+            <p:cNvCxnSpPr/>
+            <p:nvPr/>
+          </p:nvCxnSpPr>
+          <p:spPr>
+            <a:xfrm flipV="1">
+              <a:off x="17494105" y="7798594"/>
+              <a:ext cx="62890" cy="628650"/>
+            </a:xfrm>
+            <a:prstGeom prst="line">
+              <a:avLst/>
+            </a:prstGeom>
+            <a:ln w="28575">
+              <a:solidFill>
+                <a:srgbClr val="0070C0"/>
+              </a:solidFill>
+            </a:ln>
+          </p:spPr>
+          <p:style>
+            <a:lnRef idx="1">
+              <a:schemeClr val="accent1"/>
+            </a:lnRef>
+            <a:fillRef idx="0">
+              <a:schemeClr val="accent1"/>
+            </a:fillRef>
+            <a:effectRef idx="0">
+              <a:schemeClr val="accent1"/>
+            </a:effectRef>
+            <a:fontRef idx="minor">
+              <a:schemeClr val="tx1"/>
+            </a:fontRef>
+          </p:style>
+        </p:cxnSp>
+        <p:cxnSp>
+          <p:nvCxnSpPr>
+            <p:cNvPr id="61" name="Straight Connector 60"/>
+            <p:cNvCxnSpPr/>
+            <p:nvPr/>
+          </p:nvCxnSpPr>
+          <p:spPr>
+            <a:xfrm>
+              <a:off x="17556995" y="7805738"/>
+              <a:ext cx="30918" cy="492918"/>
+            </a:xfrm>
+            <a:prstGeom prst="line">
+              <a:avLst/>
+            </a:prstGeom>
+            <a:ln w="28575">
+              <a:solidFill>
+                <a:srgbClr val="0070C0"/>
+              </a:solidFill>
+            </a:ln>
+          </p:spPr>
+          <p:style>
+            <a:lnRef idx="1">
+              <a:schemeClr val="accent1"/>
+            </a:lnRef>
+            <a:fillRef idx="0">
+              <a:schemeClr val="accent1"/>
+            </a:fillRef>
+            <a:effectRef idx="0">
+              <a:schemeClr val="accent1"/>
+            </a:effectRef>
+            <a:fontRef idx="minor">
+              <a:schemeClr val="tx1"/>
+            </a:fontRef>
+          </p:style>
+        </p:cxnSp>
+        <p:cxnSp>
+          <p:nvCxnSpPr>
+            <p:cNvPr id="62" name="Straight Connector 61"/>
+            <p:cNvCxnSpPr/>
+            <p:nvPr/>
+          </p:nvCxnSpPr>
+          <p:spPr>
+            <a:xfrm flipV="1">
+              <a:off x="17587913" y="7936706"/>
+              <a:ext cx="48273" cy="350275"/>
+            </a:xfrm>
+            <a:prstGeom prst="line">
+              <a:avLst/>
+            </a:prstGeom>
+            <a:ln w="28575">
+              <a:solidFill>
+                <a:srgbClr val="0070C0"/>
+              </a:solidFill>
+            </a:ln>
+          </p:spPr>
+          <p:style>
+            <a:lnRef idx="1">
+              <a:schemeClr val="accent1"/>
+            </a:lnRef>
+            <a:fillRef idx="0">
+              <a:schemeClr val="accent1"/>
+            </a:fillRef>
+            <a:effectRef idx="0">
+              <a:schemeClr val="accent1"/>
+            </a:effectRef>
+            <a:fontRef idx="minor">
+              <a:schemeClr val="tx1"/>
+            </a:fontRef>
+          </p:style>
+        </p:cxnSp>
+        <p:cxnSp>
+          <p:nvCxnSpPr>
+            <p:cNvPr id="63" name="Straight Connector 62"/>
+            <p:cNvCxnSpPr/>
+            <p:nvPr/>
+          </p:nvCxnSpPr>
+          <p:spPr>
+            <a:xfrm>
+              <a:off x="17636186" y="7936706"/>
+              <a:ext cx="32689" cy="421596"/>
+            </a:xfrm>
+            <a:prstGeom prst="line">
+              <a:avLst/>
+            </a:prstGeom>
+            <a:ln w="28575">
+              <a:solidFill>
+                <a:srgbClr val="0070C0"/>
+              </a:solidFill>
+            </a:ln>
+          </p:spPr>
+          <p:style>
+            <a:lnRef idx="1">
+              <a:schemeClr val="accent1"/>
+            </a:lnRef>
+            <a:fillRef idx="0">
+              <a:schemeClr val="accent1"/>
+            </a:fillRef>
+            <a:effectRef idx="0">
+              <a:schemeClr val="accent1"/>
+            </a:effectRef>
+            <a:fontRef idx="minor">
+              <a:schemeClr val="tx1"/>
+            </a:fontRef>
+          </p:style>
+        </p:cxnSp>
+        <p:cxnSp>
+          <p:nvCxnSpPr>
+            <p:cNvPr id="64" name="Straight Connector 63"/>
+            <p:cNvCxnSpPr/>
+            <p:nvPr/>
+          </p:nvCxnSpPr>
+          <p:spPr>
+            <a:xfrm flipV="1">
+              <a:off x="17667104" y="7901816"/>
+              <a:ext cx="23057" cy="468298"/>
+            </a:xfrm>
+            <a:prstGeom prst="line">
+              <a:avLst/>
+            </a:prstGeom>
+            <a:ln w="28575">
+              <a:solidFill>
+                <a:srgbClr val="0070C0"/>
+              </a:solidFill>
+            </a:ln>
+          </p:spPr>
+          <p:style>
+            <a:lnRef idx="1">
+              <a:schemeClr val="accent1"/>
+            </a:lnRef>
+            <a:fillRef idx="0">
+              <a:schemeClr val="accent1"/>
+            </a:fillRef>
+            <a:effectRef idx="0">
+              <a:schemeClr val="accent1"/>
+            </a:effectRef>
+            <a:fontRef idx="minor">
+              <a:schemeClr val="tx1"/>
+            </a:fontRef>
+          </p:style>
+        </p:cxnSp>
+        <p:cxnSp>
+          <p:nvCxnSpPr>
+            <p:cNvPr id="65" name="Straight Connector 64"/>
+            <p:cNvCxnSpPr/>
+            <p:nvPr/>
+          </p:nvCxnSpPr>
+          <p:spPr>
+            <a:xfrm>
+              <a:off x="17690945" y="7901816"/>
+              <a:ext cx="24432" cy="396840"/>
+            </a:xfrm>
+            <a:prstGeom prst="line">
+              <a:avLst/>
+            </a:prstGeom>
+            <a:ln w="28575">
+              <a:solidFill>
+                <a:srgbClr val="0070C0"/>
+              </a:solidFill>
+            </a:ln>
+          </p:spPr>
+          <p:style>
+            <a:lnRef idx="1">
+              <a:schemeClr val="accent1"/>
+            </a:lnRef>
+            <a:fillRef idx="0">
+              <a:schemeClr val="accent1"/>
+            </a:fillRef>
+            <a:effectRef idx="0">
+              <a:schemeClr val="accent1"/>
+            </a:effectRef>
+            <a:fontRef idx="minor">
+              <a:schemeClr val="tx1"/>
+            </a:fontRef>
+          </p:style>
+        </p:cxnSp>
+        <p:cxnSp>
+          <p:nvCxnSpPr>
+            <p:cNvPr id="66" name="Straight Connector 65"/>
+            <p:cNvCxnSpPr/>
+            <p:nvPr/>
+          </p:nvCxnSpPr>
+          <p:spPr>
+            <a:xfrm flipV="1">
+              <a:off x="17715377" y="8005763"/>
+              <a:ext cx="30918" cy="292893"/>
+            </a:xfrm>
+            <a:prstGeom prst="line">
+              <a:avLst/>
+            </a:prstGeom>
+            <a:ln w="28575">
+              <a:solidFill>
+                <a:srgbClr val="0070C0"/>
+              </a:solidFill>
+            </a:ln>
+          </p:spPr>
+          <p:style>
+            <a:lnRef idx="1">
+              <a:schemeClr val="accent1"/>
+            </a:lnRef>
+            <a:fillRef idx="0">
+              <a:schemeClr val="accent1"/>
+            </a:fillRef>
+            <a:effectRef idx="0">
+              <a:schemeClr val="accent1"/>
+            </a:effectRef>
+            <a:fontRef idx="minor">
+              <a:schemeClr val="tx1"/>
+            </a:fontRef>
+          </p:style>
+        </p:cxnSp>
+        <p:cxnSp>
+          <p:nvCxnSpPr>
+            <p:cNvPr id="67" name="Straight Connector 66"/>
+            <p:cNvCxnSpPr/>
+            <p:nvPr/>
+          </p:nvCxnSpPr>
+          <p:spPr>
+            <a:xfrm>
+              <a:off x="17746295" y="8008144"/>
+              <a:ext cx="23057" cy="244039"/>
+            </a:xfrm>
+            <a:prstGeom prst="line">
+              <a:avLst/>
+            </a:prstGeom>
+            <a:ln w="28575">
+              <a:solidFill>
+                <a:srgbClr val="0070C0"/>
+              </a:solidFill>
+            </a:ln>
+          </p:spPr>
+          <p:style>
+            <a:lnRef idx="1">
+              <a:schemeClr val="accent1"/>
+            </a:lnRef>
+            <a:fillRef idx="0">
+              <a:schemeClr val="accent1"/>
+            </a:fillRef>
+            <a:effectRef idx="0">
+              <a:schemeClr val="accent1"/>
+            </a:effectRef>
+            <a:fontRef idx="minor">
+              <a:schemeClr val="tx1"/>
+            </a:fontRef>
+          </p:style>
+        </p:cxnSp>
+        <p:cxnSp>
+          <p:nvCxnSpPr>
+            <p:cNvPr id="68" name="Straight Connector 67"/>
+            <p:cNvCxnSpPr/>
+            <p:nvPr/>
+          </p:nvCxnSpPr>
+          <p:spPr>
+            <a:xfrm flipV="1">
+              <a:off x="17769352" y="8030404"/>
+              <a:ext cx="41449" cy="221779"/>
+            </a:xfrm>
+            <a:prstGeom prst="line">
+              <a:avLst/>
+            </a:prstGeom>
+            <a:ln w="28575">
+              <a:solidFill>
+                <a:srgbClr val="0070C0"/>
+              </a:solidFill>
+            </a:ln>
+          </p:spPr>
+          <p:style>
+            <a:lnRef idx="1">
+              <a:schemeClr val="accent1"/>
+            </a:lnRef>
+            <a:fillRef idx="0">
+              <a:schemeClr val="accent1"/>
+            </a:fillRef>
+            <a:effectRef idx="0">
+              <a:schemeClr val="accent1"/>
+            </a:effectRef>
+            <a:fontRef idx="minor">
+              <a:schemeClr val="tx1"/>
+            </a:fontRef>
+          </p:style>
+        </p:cxnSp>
+      </p:grpSp>
+      <p:grpSp>
+        <p:nvGrpSpPr>
+          <p:cNvPr id="21" name="Group 20"/>
+          <p:cNvGrpSpPr/>
+          <p:nvPr/>
+        </p:nvGrpSpPr>
+        <p:grpSpPr>
+          <a:xfrm>
+            <a:off x="6195807" y="5789101"/>
+            <a:ext cx="988249" cy="1415335"/>
+            <a:chOff x="16852900" y="7334250"/>
+            <a:chExt cx="957901" cy="1550194"/>
+          </a:xfrm>
+          <a:effectLst/>
+        </p:grpSpPr>
+        <p:cxnSp>
+          <p:nvCxnSpPr>
+            <p:cNvPr id="27" name="Straight Connector 26"/>
+            <p:cNvCxnSpPr/>
+            <p:nvPr/>
+          </p:nvCxnSpPr>
+          <p:spPr>
+            <a:xfrm flipV="1">
+              <a:off x="16852900" y="7937500"/>
+              <a:ext cx="76200" cy="400050"/>
+            </a:xfrm>
+            <a:prstGeom prst="line">
+              <a:avLst/>
+            </a:prstGeom>
+            <a:ln w="28575">
+              <a:solidFill>
+                <a:srgbClr val="0070C0"/>
+              </a:solidFill>
+            </a:ln>
+          </p:spPr>
+          <p:style>
+            <a:lnRef idx="1">
+              <a:schemeClr val="accent1"/>
+            </a:lnRef>
+            <a:fillRef idx="0">
+              <a:schemeClr val="accent1"/>
+            </a:fillRef>
+            <a:effectRef idx="0">
+              <a:schemeClr val="accent1"/>
+            </a:effectRef>
+            <a:fontRef idx="minor">
+              <a:schemeClr val="tx1"/>
+            </a:fontRef>
+          </p:style>
+        </p:cxnSp>
+        <p:cxnSp>
+          <p:nvCxnSpPr>
+            <p:cNvPr id="28" name="Straight Connector 27"/>
+            <p:cNvCxnSpPr/>
+            <p:nvPr/>
+          </p:nvCxnSpPr>
+          <p:spPr>
+            <a:xfrm>
+              <a:off x="16925925" y="7936706"/>
+              <a:ext cx="66065" cy="547688"/>
+            </a:xfrm>
+            <a:prstGeom prst="line">
+              <a:avLst/>
+            </a:prstGeom>
+            <a:ln w="28575">
+              <a:solidFill>
+                <a:srgbClr val="0070C0"/>
+              </a:solidFill>
+            </a:ln>
+          </p:spPr>
+          <p:style>
+            <a:lnRef idx="1">
+              <a:schemeClr val="accent1"/>
+            </a:lnRef>
+            <a:fillRef idx="0">
+              <a:schemeClr val="accent1"/>
+            </a:fillRef>
+            <a:effectRef idx="0">
+              <a:schemeClr val="accent1"/>
+            </a:effectRef>
+            <a:fontRef idx="minor">
+              <a:schemeClr val="tx1"/>
+            </a:fontRef>
+          </p:style>
+        </p:cxnSp>
+        <p:cxnSp>
+          <p:nvCxnSpPr>
+            <p:cNvPr id="29" name="Straight Connector 28"/>
+            <p:cNvCxnSpPr/>
+            <p:nvPr/>
+          </p:nvCxnSpPr>
+          <p:spPr>
+            <a:xfrm flipV="1">
+              <a:off x="16994981" y="7624763"/>
+              <a:ext cx="54759" cy="859631"/>
+            </a:xfrm>
+            <a:prstGeom prst="line">
+              <a:avLst/>
+            </a:prstGeom>
+            <a:ln w="28575">
+              <a:solidFill>
+                <a:srgbClr val="0070C0"/>
+              </a:solidFill>
+            </a:ln>
+          </p:spPr>
+          <p:style>
+            <a:lnRef idx="1">
+              <a:schemeClr val="accent1"/>
+            </a:lnRef>
+            <a:fillRef idx="0">
+              <a:schemeClr val="accent1"/>
+            </a:fillRef>
+            <a:effectRef idx="0">
+              <a:schemeClr val="accent1"/>
+            </a:effectRef>
+            <a:fontRef idx="minor">
+              <a:schemeClr val="tx1"/>
+            </a:fontRef>
+          </p:style>
+        </p:cxnSp>
+        <p:cxnSp>
+          <p:nvCxnSpPr>
+            <p:cNvPr id="30" name="Straight Connector 29"/>
+            <p:cNvCxnSpPr/>
+            <p:nvPr/>
+          </p:nvCxnSpPr>
+          <p:spPr>
+            <a:xfrm>
+              <a:off x="17049740" y="7620000"/>
+              <a:ext cx="65881" cy="1054894"/>
+            </a:xfrm>
+            <a:prstGeom prst="line">
+              <a:avLst/>
+            </a:prstGeom>
+            <a:ln w="28575">
+              <a:solidFill>
+                <a:srgbClr val="0070C0"/>
+              </a:solidFill>
+            </a:ln>
+          </p:spPr>
+          <p:style>
+            <a:lnRef idx="1">
+              <a:schemeClr val="accent1"/>
+            </a:lnRef>
+            <a:fillRef idx="0">
+              <a:schemeClr val="accent1"/>
+            </a:fillRef>
+            <a:effectRef idx="0">
+              <a:schemeClr val="accent1"/>
+            </a:effectRef>
+            <a:fontRef idx="minor">
+              <a:schemeClr val="tx1"/>
+            </a:fontRef>
+          </p:style>
+        </p:cxnSp>
+        <p:cxnSp>
+          <p:nvCxnSpPr>
+            <p:cNvPr id="31" name="Straight Connector 30"/>
+            <p:cNvCxnSpPr/>
+            <p:nvPr/>
+          </p:nvCxnSpPr>
+          <p:spPr>
+            <a:xfrm flipV="1">
+              <a:off x="17115621" y="7400753"/>
+              <a:ext cx="48429" cy="1269378"/>
+            </a:xfrm>
+            <a:prstGeom prst="line">
+              <a:avLst/>
+            </a:prstGeom>
+            <a:ln w="28575">
+              <a:solidFill>
+                <a:srgbClr val="0070C0"/>
+              </a:solidFill>
+            </a:ln>
+          </p:spPr>
+          <p:style>
+            <a:lnRef idx="1">
+              <a:schemeClr val="accent1"/>
+            </a:lnRef>
+            <a:fillRef idx="0">
+              <a:schemeClr val="accent1"/>
+            </a:fillRef>
+            <a:effectRef idx="0">
+              <a:schemeClr val="accent1"/>
+            </a:effectRef>
+            <a:fontRef idx="minor">
+              <a:schemeClr val="tx1"/>
+            </a:fontRef>
+          </p:style>
+        </p:cxnSp>
+        <p:cxnSp>
+          <p:nvCxnSpPr>
+            <p:cNvPr id="32" name="Straight Connector 31"/>
+            <p:cNvCxnSpPr/>
+            <p:nvPr/>
+          </p:nvCxnSpPr>
+          <p:spPr>
+            <a:xfrm>
+              <a:off x="17170380" y="7400753"/>
+              <a:ext cx="30570" cy="1433685"/>
+            </a:xfrm>
+            <a:prstGeom prst="line">
+              <a:avLst/>
+            </a:prstGeom>
+            <a:ln w="28575">
+              <a:solidFill>
+                <a:srgbClr val="0070C0"/>
+              </a:solidFill>
+            </a:ln>
+          </p:spPr>
+          <p:style>
+            <a:lnRef idx="1">
+              <a:schemeClr val="accent1"/>
+            </a:lnRef>
+            <a:fillRef idx="0">
+              <a:schemeClr val="accent1"/>
+            </a:fillRef>
+            <a:effectRef idx="0">
+              <a:schemeClr val="accent1"/>
+            </a:effectRef>
+            <a:fontRef idx="minor">
+              <a:schemeClr val="tx1"/>
+            </a:fontRef>
+          </p:style>
+        </p:cxnSp>
+        <p:cxnSp>
+          <p:nvCxnSpPr>
+            <p:cNvPr id="33" name="Straight Connector 32"/>
+            <p:cNvCxnSpPr/>
+            <p:nvPr/>
+          </p:nvCxnSpPr>
+          <p:spPr>
+            <a:xfrm flipV="1">
+              <a:off x="17200950" y="7334250"/>
+              <a:ext cx="60731" cy="1508617"/>
+            </a:xfrm>
+            <a:prstGeom prst="line">
+              <a:avLst/>
+            </a:prstGeom>
+            <a:ln w="28575">
+              <a:solidFill>
+                <a:srgbClr val="0070C0"/>
+              </a:solidFill>
+            </a:ln>
+          </p:spPr>
+          <p:style>
+            <a:lnRef idx="1">
+              <a:schemeClr val="accent1"/>
+            </a:lnRef>
+            <a:fillRef idx="0">
+              <a:schemeClr val="accent1"/>
+            </a:fillRef>
+            <a:effectRef idx="0">
+              <a:schemeClr val="accent1"/>
+            </a:effectRef>
+            <a:fontRef idx="minor">
+              <a:schemeClr val="tx1"/>
+            </a:fontRef>
+          </p:style>
+        </p:cxnSp>
+        <p:cxnSp>
+          <p:nvCxnSpPr>
+            <p:cNvPr id="34" name="Straight Connector 33"/>
+            <p:cNvCxnSpPr/>
+            <p:nvPr/>
+          </p:nvCxnSpPr>
+          <p:spPr>
+            <a:xfrm>
+              <a:off x="17255709" y="7336631"/>
+              <a:ext cx="55979" cy="1545432"/>
+            </a:xfrm>
+            <a:prstGeom prst="line">
+              <a:avLst/>
+            </a:prstGeom>
+            <a:ln w="28575">
+              <a:solidFill>
+                <a:srgbClr val="0070C0"/>
+              </a:solidFill>
+            </a:ln>
+          </p:spPr>
+          <p:style>
+            <a:lnRef idx="1">
+              <a:schemeClr val="accent1"/>
+            </a:lnRef>
+            <a:fillRef idx="0">
+              <a:schemeClr val="accent1"/>
+            </a:fillRef>
+            <a:effectRef idx="0">
+              <a:schemeClr val="accent1"/>
+            </a:effectRef>
+            <a:fontRef idx="minor">
+              <a:schemeClr val="tx1"/>
+            </a:fontRef>
+          </p:style>
+        </p:cxnSp>
+        <p:cxnSp>
+          <p:nvCxnSpPr>
+            <p:cNvPr id="35" name="Straight Connector 34"/>
+            <p:cNvCxnSpPr/>
+            <p:nvPr/>
+          </p:nvCxnSpPr>
+          <p:spPr>
+            <a:xfrm flipV="1">
+              <a:off x="17314069" y="7476840"/>
+              <a:ext cx="33337" cy="1407604"/>
+            </a:xfrm>
+            <a:prstGeom prst="line">
+              <a:avLst/>
+            </a:prstGeom>
+            <a:ln w="28575">
+              <a:solidFill>
+                <a:srgbClr val="0070C0"/>
+              </a:solidFill>
+            </a:ln>
+          </p:spPr>
+          <p:style>
+            <a:lnRef idx="1">
+              <a:schemeClr val="accent1"/>
+            </a:lnRef>
+            <a:fillRef idx="0">
+              <a:schemeClr val="accent1"/>
+            </a:fillRef>
+            <a:effectRef idx="0">
+              <a:schemeClr val="accent1"/>
+            </a:effectRef>
+            <a:fontRef idx="minor">
+              <a:schemeClr val="tx1"/>
+            </a:fontRef>
+          </p:style>
+        </p:cxnSp>
+        <p:cxnSp>
+          <p:nvCxnSpPr>
+            <p:cNvPr id="36" name="Straight Connector 35"/>
+            <p:cNvCxnSpPr/>
+            <p:nvPr/>
+          </p:nvCxnSpPr>
+          <p:spPr>
+            <a:xfrm>
+              <a:off x="17345025" y="7476840"/>
+              <a:ext cx="52388" cy="1270652"/>
+            </a:xfrm>
+            <a:prstGeom prst="line">
+              <a:avLst/>
+            </a:prstGeom>
+            <a:ln w="28575">
+              <a:solidFill>
+                <a:srgbClr val="0070C0"/>
+              </a:solidFill>
+            </a:ln>
+          </p:spPr>
+          <p:style>
+            <a:lnRef idx="1">
+              <a:schemeClr val="accent1"/>
+            </a:lnRef>
+            <a:fillRef idx="0">
+              <a:schemeClr val="accent1"/>
+            </a:fillRef>
+            <a:effectRef idx="0">
+              <a:schemeClr val="accent1"/>
+            </a:effectRef>
+            <a:fontRef idx="minor">
+              <a:schemeClr val="tx1"/>
+            </a:fontRef>
+          </p:style>
+        </p:cxnSp>
+        <p:cxnSp>
+          <p:nvCxnSpPr>
+            <p:cNvPr id="37" name="Straight Connector 36"/>
+            <p:cNvCxnSpPr/>
+            <p:nvPr/>
+          </p:nvCxnSpPr>
+          <p:spPr>
+            <a:xfrm flipV="1">
+              <a:off x="17397413" y="7576560"/>
+              <a:ext cx="40481" cy="1170932"/>
+            </a:xfrm>
+            <a:prstGeom prst="line">
+              <a:avLst/>
+            </a:prstGeom>
+            <a:ln w="28575">
+              <a:solidFill>
+                <a:srgbClr val="0070C0"/>
+              </a:solidFill>
+            </a:ln>
+          </p:spPr>
+          <p:style>
+            <a:lnRef idx="1">
+              <a:schemeClr val="accent1"/>
+            </a:lnRef>
+            <a:fillRef idx="0">
+              <a:schemeClr val="accent1"/>
+            </a:fillRef>
+            <a:effectRef idx="0">
+              <a:schemeClr val="accent1"/>
+            </a:effectRef>
+            <a:fontRef idx="minor">
+              <a:schemeClr val="tx1"/>
+            </a:fontRef>
+          </p:style>
+        </p:cxnSp>
+        <p:cxnSp>
+          <p:nvCxnSpPr>
+            <p:cNvPr id="38" name="Straight Connector 37"/>
+            <p:cNvCxnSpPr/>
+            <p:nvPr/>
+          </p:nvCxnSpPr>
+          <p:spPr>
+            <a:xfrm>
+              <a:off x="17436865" y="7556500"/>
+              <a:ext cx="57240" cy="864817"/>
+            </a:xfrm>
+            <a:prstGeom prst="line">
+              <a:avLst/>
+            </a:prstGeom>
+            <a:ln w="28575">
+              <a:solidFill>
+                <a:srgbClr val="0070C0"/>
+              </a:solidFill>
+            </a:ln>
+          </p:spPr>
+          <p:style>
+            <a:lnRef idx="1">
+              <a:schemeClr val="accent1"/>
+            </a:lnRef>
+            <a:fillRef idx="0">
+              <a:schemeClr val="accent1"/>
+            </a:fillRef>
+            <a:effectRef idx="0">
+              <a:schemeClr val="accent1"/>
+            </a:effectRef>
+            <a:fontRef idx="minor">
+              <a:schemeClr val="tx1"/>
+            </a:fontRef>
+          </p:style>
+        </p:cxnSp>
+        <p:cxnSp>
+          <p:nvCxnSpPr>
+            <p:cNvPr id="39" name="Straight Connector 38"/>
+            <p:cNvCxnSpPr/>
+            <p:nvPr/>
+          </p:nvCxnSpPr>
+          <p:spPr>
+            <a:xfrm flipV="1">
+              <a:off x="17494105" y="7798594"/>
+              <a:ext cx="62890" cy="628650"/>
+            </a:xfrm>
+            <a:prstGeom prst="line">
+              <a:avLst/>
+            </a:prstGeom>
+            <a:ln w="28575">
+              <a:solidFill>
+                <a:srgbClr val="0070C0"/>
+              </a:solidFill>
+            </a:ln>
+          </p:spPr>
+          <p:style>
+            <a:lnRef idx="1">
+              <a:schemeClr val="accent1"/>
+            </a:lnRef>
+            <a:fillRef idx="0">
+              <a:schemeClr val="accent1"/>
+            </a:fillRef>
+            <a:effectRef idx="0">
+              <a:schemeClr val="accent1"/>
+            </a:effectRef>
+            <a:fontRef idx="minor">
+              <a:schemeClr val="tx1"/>
+            </a:fontRef>
+          </p:style>
+        </p:cxnSp>
+        <p:cxnSp>
+          <p:nvCxnSpPr>
+            <p:cNvPr id="40" name="Straight Connector 39"/>
+            <p:cNvCxnSpPr/>
+            <p:nvPr/>
+          </p:nvCxnSpPr>
+          <p:spPr>
+            <a:xfrm>
+              <a:off x="17556995" y="7805738"/>
+              <a:ext cx="30918" cy="492918"/>
+            </a:xfrm>
+            <a:prstGeom prst="line">
+              <a:avLst/>
+            </a:prstGeom>
+            <a:ln w="28575">
+              <a:solidFill>
+                <a:srgbClr val="0070C0"/>
+              </a:solidFill>
+            </a:ln>
+          </p:spPr>
+          <p:style>
+            <a:lnRef idx="1">
+              <a:schemeClr val="accent1"/>
+            </a:lnRef>
+            <a:fillRef idx="0">
+              <a:schemeClr val="accent1"/>
+            </a:fillRef>
+            <a:effectRef idx="0">
+              <a:schemeClr val="accent1"/>
+            </a:effectRef>
+            <a:fontRef idx="minor">
+              <a:schemeClr val="tx1"/>
+            </a:fontRef>
+          </p:style>
+        </p:cxnSp>
+        <p:cxnSp>
+          <p:nvCxnSpPr>
+            <p:cNvPr id="41" name="Straight Connector 40"/>
+            <p:cNvCxnSpPr/>
+            <p:nvPr/>
+          </p:nvCxnSpPr>
+          <p:spPr>
+            <a:xfrm flipV="1">
+              <a:off x="17587913" y="7936706"/>
+              <a:ext cx="48273" cy="350275"/>
+            </a:xfrm>
+            <a:prstGeom prst="line">
+              <a:avLst/>
+            </a:prstGeom>
+            <a:ln w="28575">
+              <a:solidFill>
+                <a:srgbClr val="0070C0"/>
+              </a:solidFill>
+            </a:ln>
+          </p:spPr>
+          <p:style>
+            <a:lnRef idx="1">
+              <a:schemeClr val="accent1"/>
+            </a:lnRef>
+            <a:fillRef idx="0">
+              <a:schemeClr val="accent1"/>
+            </a:fillRef>
+            <a:effectRef idx="0">
+              <a:schemeClr val="accent1"/>
+            </a:effectRef>
+            <a:fontRef idx="minor">
+              <a:schemeClr val="tx1"/>
+            </a:fontRef>
+          </p:style>
+        </p:cxnSp>
+        <p:cxnSp>
+          <p:nvCxnSpPr>
+            <p:cNvPr id="42" name="Straight Connector 41"/>
+            <p:cNvCxnSpPr/>
+            <p:nvPr/>
+          </p:nvCxnSpPr>
+          <p:spPr>
+            <a:xfrm>
+              <a:off x="17636186" y="7936706"/>
+              <a:ext cx="32689" cy="421596"/>
+            </a:xfrm>
+            <a:prstGeom prst="line">
+              <a:avLst/>
+            </a:prstGeom>
+            <a:ln w="28575">
+              <a:solidFill>
+                <a:srgbClr val="0070C0"/>
+              </a:solidFill>
+            </a:ln>
+          </p:spPr>
+          <p:style>
+            <a:lnRef idx="1">
+              <a:schemeClr val="accent1"/>
+            </a:lnRef>
+            <a:fillRef idx="0">
+              <a:schemeClr val="accent1"/>
+            </a:fillRef>
+            <a:effectRef idx="0">
+              <a:schemeClr val="accent1"/>
+            </a:effectRef>
+            <a:fontRef idx="minor">
+              <a:schemeClr val="tx1"/>
+            </a:fontRef>
+          </p:style>
+        </p:cxnSp>
+        <p:cxnSp>
+          <p:nvCxnSpPr>
+            <p:cNvPr id="43" name="Straight Connector 42"/>
+            <p:cNvCxnSpPr/>
+            <p:nvPr/>
+          </p:nvCxnSpPr>
+          <p:spPr>
+            <a:xfrm flipV="1">
+              <a:off x="17667104" y="7901816"/>
+              <a:ext cx="23057" cy="468298"/>
+            </a:xfrm>
+            <a:prstGeom prst="line">
+              <a:avLst/>
+            </a:prstGeom>
+            <a:ln w="28575">
+              <a:solidFill>
+                <a:srgbClr val="0070C0"/>
+              </a:solidFill>
+            </a:ln>
+          </p:spPr>
+          <p:style>
+            <a:lnRef idx="1">
+              <a:schemeClr val="accent1"/>
+            </a:lnRef>
+            <a:fillRef idx="0">
+              <a:schemeClr val="accent1"/>
+            </a:fillRef>
+            <a:effectRef idx="0">
+              <a:schemeClr val="accent1"/>
+            </a:effectRef>
+            <a:fontRef idx="minor">
+              <a:schemeClr val="tx1"/>
+            </a:fontRef>
+          </p:style>
+        </p:cxnSp>
+        <p:cxnSp>
+          <p:nvCxnSpPr>
+            <p:cNvPr id="44" name="Straight Connector 43"/>
+            <p:cNvCxnSpPr/>
+            <p:nvPr/>
+          </p:nvCxnSpPr>
+          <p:spPr>
+            <a:xfrm>
+              <a:off x="17690945" y="7901816"/>
+              <a:ext cx="24432" cy="396840"/>
+            </a:xfrm>
+            <a:prstGeom prst="line">
+              <a:avLst/>
+            </a:prstGeom>
+            <a:ln w="28575">
+              <a:solidFill>
+                <a:srgbClr val="0070C0"/>
+              </a:solidFill>
+            </a:ln>
+          </p:spPr>
+          <p:style>
+            <a:lnRef idx="1">
+              <a:schemeClr val="accent1"/>
+            </a:lnRef>
+            <a:fillRef idx="0">
+              <a:schemeClr val="accent1"/>
+            </a:fillRef>
+            <a:effectRef idx="0">
+              <a:schemeClr val="accent1"/>
+            </a:effectRef>
+            <a:fontRef idx="minor">
+              <a:schemeClr val="tx1"/>
+            </a:fontRef>
+          </p:style>
+        </p:cxnSp>
+        <p:cxnSp>
+          <p:nvCxnSpPr>
+            <p:cNvPr id="45" name="Straight Connector 44"/>
+            <p:cNvCxnSpPr/>
+            <p:nvPr/>
+          </p:nvCxnSpPr>
+          <p:spPr>
+            <a:xfrm flipV="1">
+              <a:off x="17715377" y="8005763"/>
+              <a:ext cx="30918" cy="292893"/>
+            </a:xfrm>
+            <a:prstGeom prst="line">
+              <a:avLst/>
+            </a:prstGeom>
+            <a:ln w="28575">
+              <a:solidFill>
+                <a:srgbClr val="0070C0"/>
+              </a:solidFill>
+            </a:ln>
+          </p:spPr>
+          <p:style>
+            <a:lnRef idx="1">
+              <a:schemeClr val="accent1"/>
+            </a:lnRef>
+            <a:fillRef idx="0">
+              <a:schemeClr val="accent1"/>
+            </a:fillRef>
+            <a:effectRef idx="0">
+              <a:schemeClr val="accent1"/>
+            </a:effectRef>
+            <a:fontRef idx="minor">
+              <a:schemeClr val="tx1"/>
+            </a:fontRef>
+          </p:style>
+        </p:cxnSp>
+        <p:cxnSp>
+          <p:nvCxnSpPr>
+            <p:cNvPr id="46" name="Straight Connector 45"/>
+            <p:cNvCxnSpPr/>
+            <p:nvPr/>
+          </p:nvCxnSpPr>
+          <p:spPr>
+            <a:xfrm>
+              <a:off x="17746295" y="8008144"/>
+              <a:ext cx="23057" cy="244039"/>
+            </a:xfrm>
+            <a:prstGeom prst="line">
+              <a:avLst/>
+            </a:prstGeom>
+            <a:ln w="28575">
+              <a:solidFill>
+                <a:srgbClr val="0070C0"/>
+              </a:solidFill>
+            </a:ln>
+          </p:spPr>
+          <p:style>
+            <a:lnRef idx="1">
+              <a:schemeClr val="accent1"/>
+            </a:lnRef>
+            <a:fillRef idx="0">
+              <a:schemeClr val="accent1"/>
+            </a:fillRef>
+            <a:effectRef idx="0">
+              <a:schemeClr val="accent1"/>
+            </a:effectRef>
+            <a:fontRef idx="minor">
+              <a:schemeClr val="tx1"/>
+            </a:fontRef>
+          </p:style>
+        </p:cxnSp>
+        <p:cxnSp>
+          <p:nvCxnSpPr>
+            <p:cNvPr id="47" name="Straight Connector 46"/>
+            <p:cNvCxnSpPr/>
+            <p:nvPr/>
+          </p:nvCxnSpPr>
+          <p:spPr>
+            <a:xfrm flipV="1">
+              <a:off x="17769352" y="8030404"/>
+              <a:ext cx="41449" cy="221779"/>
+            </a:xfrm>
+            <a:prstGeom prst="line">
+              <a:avLst/>
+            </a:prstGeom>
+            <a:ln w="28575">
+              <a:solidFill>
+                <a:srgbClr val="0070C0"/>
+              </a:solidFill>
+            </a:ln>
+          </p:spPr>
+          <p:style>
+            <a:lnRef idx="1">
+              <a:schemeClr val="accent1"/>
+            </a:lnRef>
+            <a:fillRef idx="0">
+              <a:schemeClr val="accent1"/>
+            </a:fillRef>
+            <a:effectRef idx="0">
+              <a:schemeClr val="accent1"/>
+            </a:effectRef>
+            <a:fontRef idx="minor">
+              <a:schemeClr val="tx1"/>
+            </a:fontRef>
+          </p:style>
+        </p:cxnSp>
+      </p:grpSp>
+      <p:pic>
+        <p:nvPicPr>
+          <p:cNvPr id="24" name="Picture 23"/>
+          <p:cNvPicPr>
+            <a:picLocks noChangeAspect="1"/>
+          </p:cNvPicPr>
+          <p:nvPr/>
+        </p:nvPicPr>
+        <p:blipFill>
+          <a:blip r:embed="rId4" cstate="print">
+            <a:extLst>
+              <a:ext uri="{28A0092B-C50C-407E-A947-70E740481C1C}">
+                <a14:useLocalDpi xmlns:a14="http://schemas.microsoft.com/office/drawing/2010/main" val="0"/>
+              </a:ext>
+            </a:extLst>
+          </a:blip>
+          <a:stretch>
+            <a:fillRect/>
+          </a:stretch>
+        </p:blipFill>
+        <p:spPr>
+          <a:xfrm>
+            <a:off x="4548005" y="9105812"/>
+            <a:ext cx="1139029" cy="643886"/>
+          </a:xfrm>
+          <a:prstGeom prst="rect">
+            <a:avLst/>
+          </a:prstGeom>
+        </p:spPr>
+      </p:pic>
+      <p:grpSp>
+        <p:nvGrpSpPr>
+          <p:cNvPr id="69" name="Group 68"/>
+          <p:cNvGrpSpPr/>
+          <p:nvPr/>
+        </p:nvGrpSpPr>
+        <p:grpSpPr>
+          <a:xfrm>
+            <a:off x="3477826" y="3049020"/>
+            <a:ext cx="3476280" cy="1625759"/>
+            <a:chOff x="3445622" y="2129861"/>
+            <a:chExt cx="2201777" cy="1036359"/>
+          </a:xfrm>
+        </p:grpSpPr>
+        <p:sp>
+          <p:nvSpPr>
+            <p:cNvPr id="70" name="Freeform 69"/>
+            <p:cNvSpPr/>
+            <p:nvPr/>
+          </p:nvSpPr>
+          <p:spPr>
+            <a:xfrm>
+              <a:off x="3445622" y="2670381"/>
+              <a:ext cx="2201777" cy="495839"/>
+            </a:xfrm>
+            <a:custGeom>
+              <a:avLst/>
+              <a:gdLst>
+                <a:gd name="connsiteX0" fmla="*/ 0 w 2006600"/>
+                <a:gd name="connsiteY0" fmla="*/ 533652 h 533652"/>
+                <a:gd name="connsiteX1" fmla="*/ 647700 w 2006600"/>
+                <a:gd name="connsiteY1" fmla="*/ 252 h 533652"/>
+                <a:gd name="connsiteX2" fmla="*/ 2006600 w 2006600"/>
+                <a:gd name="connsiteY2" fmla="*/ 457452 h 533652"/>
+                <a:gd name="connsiteX3" fmla="*/ 2006600 w 2006600"/>
+                <a:gd name="connsiteY3" fmla="*/ 457452 h 533652"/>
+              </a:gdLst>
+              <a:ahLst/>
+              <a:cxnLst>
+                <a:cxn ang="0">
+                  <a:pos x="connsiteX0" y="connsiteY0"/>
+                </a:cxn>
+                <a:cxn ang="0">
+                  <a:pos x="connsiteX1" y="connsiteY1"/>
+                </a:cxn>
+                <a:cxn ang="0">
+                  <a:pos x="connsiteX2" y="connsiteY2"/>
+                </a:cxn>
+                <a:cxn ang="0">
+                  <a:pos x="connsiteX3" y="connsiteY3"/>
+                </a:cxn>
+              </a:cxnLst>
+              <a:rect l="l" t="t" r="r" b="b"/>
+              <a:pathLst>
+                <a:path w="2006600" h="533652">
+                  <a:moveTo>
+                    <a:pt x="0" y="533652"/>
+                  </a:moveTo>
+                  <a:cubicBezTo>
+                    <a:pt x="156633" y="273302"/>
+                    <a:pt x="313267" y="12952"/>
+                    <a:pt x="647700" y="252"/>
+                  </a:cubicBezTo>
+                  <a:cubicBezTo>
+                    <a:pt x="982133" y="-12448"/>
+                    <a:pt x="2006600" y="457452"/>
+                    <a:pt x="2006600" y="457452"/>
+                  </a:cubicBezTo>
+                  <a:lnTo>
+                    <a:pt x="2006600" y="457452"/>
+                  </a:lnTo>
+                </a:path>
+              </a:pathLst>
+            </a:custGeom>
+            <a:noFill/>
+            <a:ln w="38100">
+              <a:solidFill>
+                <a:schemeClr val="accent3">
+                  <a:lumMod val="50000"/>
+                </a:schemeClr>
+              </a:solidFill>
+              <a:headEnd type="none" w="med" len="med"/>
+              <a:tailEnd type="arrow" w="med" len="med"/>
+            </a:ln>
+            <a:effectLst/>
+          </p:spPr>
+          <p:style>
+            <a:lnRef idx="2">
+              <a:schemeClr val="accent1">
+                <a:shade val="50000"/>
+              </a:schemeClr>
+            </a:lnRef>
+            <a:fillRef idx="1">
+              <a:schemeClr val="accent1"/>
+            </a:fillRef>
+            <a:effectRef idx="0">
+              <a:schemeClr val="accent1"/>
+            </a:effectRef>
+            <a:fontRef idx="minor">
+              <a:schemeClr val="lt1"/>
+            </a:fontRef>
+          </p:style>
+          <p:txBody>
+            <a:bodyPr rtlCol="0" anchor="ctr"/>
+            <a:lstStyle/>
+            <a:p>
+              <a:pPr algn="ctr"/>
+              <a:endParaRPr lang="en-US" sz="1260">
+                <a:solidFill>
+                  <a:srgbClr val="A8927A"/>
+                </a:solidFill>
+              </a:endParaRPr>
+            </a:p>
+          </p:txBody>
+        </p:sp>
+        <p:sp>
+          <p:nvSpPr>
+            <p:cNvPr id="71" name="TextBox 70"/>
+            <p:cNvSpPr txBox="1"/>
+            <p:nvPr/>
+          </p:nvSpPr>
+          <p:spPr>
+            <a:xfrm>
+              <a:off x="3909057" y="2129861"/>
+              <a:ext cx="747819" cy="365813"/>
+            </a:xfrm>
+            <a:prstGeom prst="rect">
+              <a:avLst/>
+            </a:prstGeom>
+            <a:noFill/>
+            <a:effectLst/>
+          </p:spPr>
+          <p:txBody>
+            <a:bodyPr wrap="square" rtlCol="0">
+              <a:spAutoFit/>
+            </a:bodyPr>
+            <a:lstStyle/>
+            <a:p>
+              <a:r>
+                <a:rPr lang="en-US" sz="4200" dirty="0">
+                  <a:solidFill>
+                    <a:schemeClr val="accent3">
+                      <a:lumMod val="50000"/>
+                    </a:schemeClr>
+                  </a:solidFill>
+                </a:rPr>
+                <a:t>try</a:t>
+              </a:r>
+              <a:endParaRPr lang="en-US" sz="4200" dirty="0">
+                <a:solidFill>
+                  <a:schemeClr val="accent3">
+                    <a:lumMod val="50000"/>
+                  </a:schemeClr>
+                </a:solidFill>
+                <a:latin typeface="Symbol" panose="05050102010706020507" pitchFamily="18" charset="2"/>
+              </a:endParaRPr>
+            </a:p>
+          </p:txBody>
+        </p:sp>
+      </p:grpSp>
+      <p:grpSp>
+        <p:nvGrpSpPr>
+          <p:cNvPr id="73" name="Group 72"/>
+          <p:cNvGrpSpPr/>
+          <p:nvPr/>
+        </p:nvGrpSpPr>
+        <p:grpSpPr>
+          <a:xfrm>
+            <a:off x="2620298" y="4596044"/>
+            <a:ext cx="1994042" cy="3812232"/>
+            <a:chOff x="3800283" y="4911845"/>
+            <a:chExt cx="1931896" cy="3666846"/>
           </a:xfrm>
         </p:grpSpPr>
         <p:grpSp>
           <p:nvGrpSpPr>
-            <p:cNvPr id="3" name="Group 2"/>
+            <p:cNvPr id="74" name="Group 73"/>
             <p:cNvGrpSpPr/>
             <p:nvPr/>
           </p:nvGrpSpPr>
           <p:grpSpPr>
             <a:xfrm>
-              <a:off x="1595273" y="3428542"/>
-              <a:ext cx="1456436" cy="1389101"/>
-              <a:chOff x="1495385" y="3428542"/>
-              <a:chExt cx="1456436" cy="1389101"/>
+              <a:off x="3800283" y="4911845"/>
+              <a:ext cx="1931896" cy="3666846"/>
+              <a:chOff x="1361167" y="4257573"/>
+              <a:chExt cx="1223608" cy="2337474"/>
             </a:xfrm>
           </p:grpSpPr>
-          <p:sp>
-            <p:nvSpPr>
-              <p:cNvPr id="4" name="Freeform 3"/>
-              <p:cNvSpPr/>
-              <p:nvPr/>
-            </p:nvSpPr>
-            <p:spPr>
-              <a:xfrm>
-                <a:off x="1495385" y="3428542"/>
-                <a:ext cx="1429344" cy="1389101"/>
-              </a:xfrm>
-              <a:custGeom>
-                <a:avLst/>
-                <a:gdLst>
-                  <a:gd name="connsiteX0" fmla="*/ 648412 w 745056"/>
-                  <a:gd name="connsiteY0" fmla="*/ 962161 h 1070464"/>
-                  <a:gd name="connsiteX1" fmla="*/ 113153 w 745056"/>
-                  <a:gd name="connsiteY1" fmla="*/ 984463 h 1070464"/>
-                  <a:gd name="connsiteX2" fmla="*/ 53680 w 745056"/>
-                  <a:gd name="connsiteY2" fmla="*/ 18024 h 1070464"/>
-                  <a:gd name="connsiteX3" fmla="*/ 745056 w 745056"/>
-                  <a:gd name="connsiteY3" fmla="*/ 330258 h 1070464"/>
-                  <a:gd name="connsiteX4" fmla="*/ 745056 w 745056"/>
-                  <a:gd name="connsiteY4" fmla="*/ 330258 h 1070464"/>
-                </a:gdLst>
-                <a:ahLst/>
-                <a:cxnLst>
-                  <a:cxn ang="0">
-                    <a:pos x="connsiteX0" y="connsiteY0"/>
-                  </a:cxn>
-                  <a:cxn ang="0">
-                    <a:pos x="connsiteX1" y="connsiteY1"/>
-                  </a:cxn>
-                  <a:cxn ang="0">
-                    <a:pos x="connsiteX2" y="connsiteY2"/>
-                  </a:cxn>
-                  <a:cxn ang="0">
-                    <a:pos x="connsiteX3" y="connsiteY3"/>
-                  </a:cxn>
-                  <a:cxn ang="0">
-                    <a:pos x="connsiteX4" y="connsiteY4"/>
-                  </a:cxn>
-                </a:cxnLst>
-                <a:rect l="l" t="t" r="r" b="b"/>
-                <a:pathLst>
-                  <a:path w="745056" h="1070464">
-                    <a:moveTo>
-                      <a:pt x="648412" y="962161"/>
-                    </a:moveTo>
-                    <a:cubicBezTo>
-                      <a:pt x="430343" y="1051990"/>
-                      <a:pt x="212275" y="1141819"/>
-                      <a:pt x="113153" y="984463"/>
-                    </a:cubicBezTo>
-                    <a:cubicBezTo>
-                      <a:pt x="14031" y="827107"/>
-                      <a:pt x="-51637" y="127058"/>
-                      <a:pt x="53680" y="18024"/>
-                    </a:cubicBezTo>
-                    <a:cubicBezTo>
-                      <a:pt x="158997" y="-91010"/>
-                      <a:pt x="745056" y="330258"/>
-                      <a:pt x="745056" y="330258"/>
-                    </a:cubicBezTo>
-                    <a:lnTo>
-                      <a:pt x="745056" y="330258"/>
-                    </a:lnTo>
-                  </a:path>
-                </a:pathLst>
-              </a:custGeom>
-              <a:noFill/>
-              <a:ln w="38100">
-                <a:solidFill>
-                  <a:schemeClr val="accent3">
-                    <a:lumMod val="50000"/>
-                  </a:schemeClr>
-                </a:solidFill>
-                <a:headEnd type="none" w="med" len="med"/>
-                <a:tailEnd type="arrow" w="med" len="med"/>
-              </a:ln>
-            </p:spPr>
-            <p:style>
-              <a:lnRef idx="2">
-                <a:schemeClr val="accent1">
-                  <a:shade val="50000"/>
-                </a:schemeClr>
-              </a:lnRef>
-              <a:fillRef idx="1">
-                <a:schemeClr val="accent1"/>
-              </a:fillRef>
-              <a:effectRef idx="0">
-                <a:schemeClr val="accent1"/>
-              </a:effectRef>
-              <a:fontRef idx="minor">
-                <a:schemeClr val="lt1"/>
-              </a:fontRef>
-            </p:style>
-            <p:txBody>
-              <a:bodyPr rtlCol="0" anchor="ctr"/>
-              <a:lstStyle/>
-              <a:p>
-                <a:pPr algn="ctr"/>
-                <a:endParaRPr lang="en-US"/>
-              </a:p>
-            </p:txBody>
-          </p:sp>
-          <p:sp>
-            <p:nvSpPr>
-              <p:cNvPr id="5" name="TextBox 4"/>
-              <p:cNvSpPr txBox="1"/>
-              <p:nvPr/>
-            </p:nvSpPr>
-            <p:spPr>
-              <a:xfrm>
-                <a:off x="1558200" y="3924904"/>
-                <a:ext cx="1393621" cy="365813"/>
-              </a:xfrm>
-              <a:prstGeom prst="rect">
-                <a:avLst/>
-              </a:prstGeom>
-              <a:noFill/>
-              <a:effectLst/>
-            </p:spPr>
-            <p:txBody>
-              <a:bodyPr wrap="square" rtlCol="0">
-                <a:spAutoFit/>
-              </a:bodyPr>
-              <a:lstStyle/>
-              <a:p>
-                <a:pPr algn="ctr"/>
-                <a:r>
-                  <a:rPr lang="en-US" sz="4200" dirty="0">
-                    <a:solidFill>
-                      <a:schemeClr val="accent3">
-                        <a:lumMod val="50000"/>
-                      </a:schemeClr>
-                    </a:solidFill>
-                  </a:rPr>
-                  <a:t>adapt</a:t>
-                </a:r>
-              </a:p>
-            </p:txBody>
-          </p:sp>
-        </p:grpSp>
-        <p:grpSp>
-          <p:nvGrpSpPr>
-            <p:cNvPr id="6" name="Group 5"/>
-            <p:cNvGrpSpPr/>
-            <p:nvPr/>
-          </p:nvGrpSpPr>
-          <p:grpSpPr>
-            <a:xfrm>
-              <a:off x="1786283" y="1315303"/>
-              <a:ext cx="3511477" cy="958705"/>
-              <a:chOff x="1686395" y="1315303"/>
-              <a:chExt cx="3511477" cy="958705"/>
-            </a:xfrm>
-          </p:grpSpPr>
-          <p:sp>
-            <p:nvSpPr>
-              <p:cNvPr id="7" name="Freeform 6"/>
-              <p:cNvSpPr/>
-              <p:nvPr/>
-            </p:nvSpPr>
-            <p:spPr>
-              <a:xfrm rot="20519587">
-                <a:off x="1782597" y="1445245"/>
-                <a:ext cx="3415275" cy="828763"/>
-              </a:xfrm>
-              <a:custGeom>
-                <a:avLst/>
-                <a:gdLst>
-                  <a:gd name="connsiteX0" fmla="*/ 0 w 3070303"/>
-                  <a:gd name="connsiteY0" fmla="*/ 1078793 h 1078793"/>
-                  <a:gd name="connsiteX1" fmla="*/ 743415 w 3070303"/>
-                  <a:gd name="connsiteY1" fmla="*/ 320510 h 1078793"/>
-                  <a:gd name="connsiteX2" fmla="*/ 1962615 w 3070303"/>
-                  <a:gd name="connsiteY2" fmla="*/ 842 h 1078793"/>
-                  <a:gd name="connsiteX3" fmla="*/ 3070303 w 3070303"/>
-                  <a:gd name="connsiteY3" fmla="*/ 402286 h 1078793"/>
-                </a:gdLst>
-                <a:ahLst/>
-                <a:cxnLst>
-                  <a:cxn ang="0">
-                    <a:pos x="connsiteX0" y="connsiteY0"/>
-                  </a:cxn>
-                  <a:cxn ang="0">
-                    <a:pos x="connsiteX1" y="connsiteY1"/>
-                  </a:cxn>
-                  <a:cxn ang="0">
-                    <a:pos x="connsiteX2" y="connsiteY2"/>
-                  </a:cxn>
-                  <a:cxn ang="0">
-                    <a:pos x="connsiteX3" y="connsiteY3"/>
-                  </a:cxn>
-                </a:cxnLst>
-                <a:rect l="l" t="t" r="r" b="b"/>
-                <a:pathLst>
-                  <a:path w="3070303" h="1078793">
-                    <a:moveTo>
-                      <a:pt x="0" y="1078793"/>
-                    </a:moveTo>
-                    <a:cubicBezTo>
-                      <a:pt x="208156" y="789480"/>
-                      <a:pt x="416313" y="500168"/>
-                      <a:pt x="743415" y="320510"/>
-                    </a:cubicBezTo>
-                    <a:cubicBezTo>
-                      <a:pt x="1070517" y="140852"/>
-                      <a:pt x="1574800" y="-12787"/>
-                      <a:pt x="1962615" y="842"/>
-                    </a:cubicBezTo>
-                    <a:cubicBezTo>
-                      <a:pt x="2350430" y="14471"/>
-                      <a:pt x="2710366" y="208378"/>
-                      <a:pt x="3070303" y="402286"/>
-                    </a:cubicBezTo>
-                  </a:path>
-                </a:pathLst>
-              </a:custGeom>
-              <a:noFill/>
-              <a:ln w="38100">
-                <a:solidFill>
-                  <a:schemeClr val="accent3">
-                    <a:lumMod val="50000"/>
-                  </a:schemeClr>
-                </a:solidFill>
-                <a:prstDash val="dash"/>
-                <a:headEnd type="none" w="med" len="med"/>
-                <a:tailEnd type="arrow" w="med" len="med"/>
-              </a:ln>
-            </p:spPr>
-            <p:style>
-              <a:lnRef idx="2">
-                <a:schemeClr val="accent1">
-                  <a:shade val="50000"/>
-                </a:schemeClr>
-              </a:lnRef>
-              <a:fillRef idx="1">
-                <a:schemeClr val="accent1"/>
-              </a:fillRef>
-              <a:effectRef idx="0">
-                <a:schemeClr val="accent1"/>
-              </a:effectRef>
-              <a:fontRef idx="minor">
-                <a:schemeClr val="lt1"/>
-              </a:fontRef>
-            </p:style>
-            <p:txBody>
-              <a:bodyPr rtlCol="0" anchor="ctr"/>
-              <a:lstStyle/>
-              <a:p>
-                <a:pPr algn="ctr"/>
-                <a:endParaRPr lang="en-US"/>
-              </a:p>
-            </p:txBody>
-          </p:sp>
-          <p:sp>
-            <p:nvSpPr>
-              <p:cNvPr id="8" name="TextBox 7"/>
-              <p:cNvSpPr txBox="1"/>
-              <p:nvPr/>
-            </p:nvSpPr>
-            <p:spPr>
-              <a:xfrm>
-                <a:off x="1686395" y="1315303"/>
-                <a:ext cx="1288493" cy="470870"/>
-              </a:xfrm>
-              <a:prstGeom prst="rect">
-                <a:avLst/>
-              </a:prstGeom>
-              <a:noFill/>
-              <a:effectLst/>
-            </p:spPr>
-            <p:txBody>
-              <a:bodyPr wrap="square" rtlCol="0">
-                <a:spAutoFit/>
-              </a:bodyPr>
-              <a:lstStyle/>
-              <a:p>
-                <a:pPr algn="r"/>
-                <a:r>
-                  <a:rPr lang="en-US" sz="4200" dirty="0">
-                    <a:solidFill>
-                      <a:schemeClr val="accent3">
-                        <a:lumMod val="50000"/>
-                      </a:schemeClr>
-                    </a:solidFill>
-                  </a:rPr>
-                  <a:t>repeat </a:t>
-                </a:r>
-              </a:p>
-            </p:txBody>
-          </p:sp>
-        </p:grpSp>
-        <p:grpSp>
-          <p:nvGrpSpPr>
-            <p:cNvPr id="9" name="Group 8"/>
-            <p:cNvGrpSpPr/>
-            <p:nvPr/>
-          </p:nvGrpSpPr>
-          <p:grpSpPr>
-            <a:xfrm>
-              <a:off x="2128577" y="5548284"/>
-              <a:ext cx="3312808" cy="895316"/>
-              <a:chOff x="2028689" y="5548284"/>
-              <a:chExt cx="3312808" cy="895316"/>
-            </a:xfrm>
-          </p:grpSpPr>
-          <p:sp>
-            <p:nvSpPr>
-              <p:cNvPr id="10" name="TextBox 9"/>
-              <p:cNvSpPr txBox="1"/>
-              <p:nvPr/>
-            </p:nvSpPr>
-            <p:spPr>
-              <a:xfrm>
-                <a:off x="2028689" y="5724988"/>
-                <a:ext cx="2517364" cy="365813"/>
-              </a:xfrm>
-              <a:prstGeom prst="rect">
-                <a:avLst/>
-              </a:prstGeom>
-              <a:noFill/>
-              <a:effectLst/>
-            </p:spPr>
-            <p:txBody>
-              <a:bodyPr wrap="square" rtlCol="0">
-                <a:spAutoFit/>
-              </a:bodyPr>
-              <a:lstStyle/>
-              <a:p>
-                <a:pPr algn="ctr"/>
-                <a:r>
-                  <a:rPr lang="en-US" sz="4200" dirty="0">
-                    <a:solidFill>
-                      <a:schemeClr val="accent3">
-                        <a:lumMod val="50000"/>
-                      </a:schemeClr>
-                    </a:solidFill>
-                  </a:rPr>
-                  <a:t>evaluate</a:t>
-                </a:r>
-              </a:p>
-            </p:txBody>
-          </p:sp>
-          <p:sp>
-            <p:nvSpPr>
-              <p:cNvPr id="11" name="Freeform 10"/>
-              <p:cNvSpPr/>
-              <p:nvPr/>
-            </p:nvSpPr>
-            <p:spPr>
-              <a:xfrm>
-                <a:off x="3526471" y="5548284"/>
-                <a:ext cx="1815026" cy="612690"/>
-              </a:xfrm>
-              <a:custGeom>
-                <a:avLst/>
-                <a:gdLst>
-                  <a:gd name="connsiteX0" fmla="*/ 1936750 w 1936750"/>
-                  <a:gd name="connsiteY0" fmla="*/ 165100 h 643417"/>
-                  <a:gd name="connsiteX1" fmla="*/ 977900 w 1936750"/>
-                  <a:gd name="connsiteY1" fmla="*/ 641350 h 643417"/>
-                  <a:gd name="connsiteX2" fmla="*/ 0 w 1936750"/>
-                  <a:gd name="connsiteY2" fmla="*/ 0 h 643417"/>
-                  <a:gd name="connsiteX3" fmla="*/ 0 w 1936750"/>
-                  <a:gd name="connsiteY3" fmla="*/ 0 h 643417"/>
-                </a:gdLst>
-                <a:ahLst/>
-                <a:cxnLst>
-                  <a:cxn ang="0">
-                    <a:pos x="connsiteX0" y="connsiteY0"/>
-                  </a:cxn>
-                  <a:cxn ang="0">
-                    <a:pos x="connsiteX1" y="connsiteY1"/>
-                  </a:cxn>
-                  <a:cxn ang="0">
-                    <a:pos x="connsiteX2" y="connsiteY2"/>
-                  </a:cxn>
-                  <a:cxn ang="0">
-                    <a:pos x="connsiteX3" y="connsiteY3"/>
-                  </a:cxn>
-                </a:cxnLst>
-                <a:rect l="l" t="t" r="r" b="b"/>
-                <a:pathLst>
-                  <a:path w="1936750" h="643417">
-                    <a:moveTo>
-                      <a:pt x="1936750" y="165100"/>
-                    </a:moveTo>
-                    <a:cubicBezTo>
-                      <a:pt x="1618721" y="416983"/>
-                      <a:pt x="1300692" y="668867"/>
-                      <a:pt x="977900" y="641350"/>
-                    </a:cubicBezTo>
-                    <a:cubicBezTo>
-                      <a:pt x="655108" y="613833"/>
-                      <a:pt x="0" y="0"/>
-                      <a:pt x="0" y="0"/>
-                    </a:cubicBezTo>
-                    <a:lnTo>
-                      <a:pt x="0" y="0"/>
-                    </a:lnTo>
-                  </a:path>
-                </a:pathLst>
-              </a:custGeom>
-              <a:noFill/>
-              <a:ln w="38100">
-                <a:solidFill>
-                  <a:schemeClr val="bg2">
-                    <a:lumMod val="50000"/>
-                  </a:schemeClr>
-                </a:solidFill>
-                <a:headEnd type="none" w="med" len="med"/>
-                <a:tailEnd type="arrow" w="med" len="med"/>
-              </a:ln>
-              <a:effectLst/>
-            </p:spPr>
-            <p:style>
-              <a:lnRef idx="2">
-                <a:schemeClr val="accent1">
-                  <a:shade val="50000"/>
-                </a:schemeClr>
-              </a:lnRef>
-              <a:fillRef idx="1">
-                <a:schemeClr val="accent1"/>
-              </a:fillRef>
-              <a:effectRef idx="0">
-                <a:schemeClr val="accent1"/>
-              </a:effectRef>
-              <a:fontRef idx="minor">
-                <a:schemeClr val="lt1"/>
-              </a:fontRef>
-            </p:style>
-            <p:txBody>
-              <a:bodyPr rtlCol="0" anchor="ctr"/>
-              <a:lstStyle/>
-              <a:p>
-                <a:pPr algn="ctr"/>
-                <a:endParaRPr lang="en-US" sz="1260">
-                  <a:solidFill>
-                    <a:srgbClr val="A8927A"/>
-                  </a:solidFill>
-                </a:endParaRPr>
-              </a:p>
-            </p:txBody>
-          </p:sp>
           <p:pic>
             <p:nvPicPr>
-              <p:cNvPr id="12" name="Picture 11"/>
+              <p:cNvPr id="76" name="Picture 75"/>
               <p:cNvPicPr>
                 <a:picLocks noChangeAspect="1"/>
               </p:cNvPicPr>
               <p:nvPr/>
             </p:nvPicPr>
             <p:blipFill>
-              <a:blip r:embed="rId4" cstate="print">
+              <a:blip r:embed="rId5" cstate="print">
                 <a:extLst>
                   <a:ext uri="{28A0092B-C50C-407E-A947-70E740481C1C}">
                     <a14:useLocalDpi xmlns:a14="http://schemas.microsoft.com/office/drawing/2010/main" val="0"/>
@@ -11623,51 +13463,33 @@
             </p:blipFill>
             <p:spPr>
               <a:xfrm>
-                <a:off x="4165458" y="5808186"/>
-                <a:ext cx="618124" cy="635414"/>
+                <a:off x="1361167" y="4257573"/>
+                <a:ext cx="1223608" cy="2337474"/>
               </a:xfrm>
               <a:prstGeom prst="rect">
                 <a:avLst/>
               </a:prstGeom>
             </p:spPr>
           </p:pic>
-        </p:grpSp>
-        <p:grpSp>
-          <p:nvGrpSpPr>
-            <p:cNvPr id="13" name="Group 12"/>
-            <p:cNvGrpSpPr/>
-            <p:nvPr/>
-          </p:nvGrpSpPr>
-          <p:grpSpPr>
-            <a:xfrm>
-              <a:off x="3041738" y="1993559"/>
-              <a:ext cx="4134685" cy="3471527"/>
-              <a:chOff x="3041738" y="1993559"/>
-              <a:chExt cx="4134685" cy="3471527"/>
-            </a:xfrm>
-          </p:grpSpPr>
-          <p:cxnSp>
-            <p:nvCxnSpPr>
-              <p:cNvPr id="16" name="Straight Arrow Connector 15"/>
-              <p:cNvCxnSpPr/>
+          <p:sp>
+            <p:nvSpPr>
+              <p:cNvPr id="78" name="Rectangle 77"/>
+              <p:cNvSpPr/>
               <p:nvPr/>
-            </p:nvCxnSpPr>
+            </p:nvSpPr>
             <p:spPr>
-              <a:xfrm flipH="1">
-                <a:off x="6004367" y="4016993"/>
-                <a:ext cx="5854" cy="733301"/>
+              <a:xfrm>
+                <a:off x="1481216" y="4636929"/>
+                <a:ext cx="973234" cy="1517900"/>
               </a:xfrm>
-              <a:prstGeom prst="straightConnector1">
+              <a:prstGeom prst="rect">
                 <a:avLst/>
               </a:prstGeom>
-              <a:ln w="28575">
-                <a:solidFill>
-                  <a:schemeClr val="bg2">
-                    <a:lumMod val="50000"/>
-                  </a:schemeClr>
-                </a:solidFill>
-                <a:headEnd type="none" w="med" len="med"/>
-                <a:tailEnd type="arrow" w="med" len="med"/>
+              <a:solidFill>
+                <a:schemeClr val="bg1"/>
+              </a:solidFill>
+              <a:ln>
+                <a:noFill/>
               </a:ln>
               <a:effectLst/>
             </p:spPr>
@@ -11675,1864 +13497,10 @@
               <a:lnRef idx="1">
                 <a:schemeClr val="accent1"/>
               </a:lnRef>
-              <a:fillRef idx="0">
+              <a:fillRef idx="3">
                 <a:schemeClr val="accent1"/>
               </a:fillRef>
-              <a:effectRef idx="0">
-                <a:schemeClr val="accent1"/>
-              </a:effectRef>
-              <a:fontRef idx="minor">
-                <a:schemeClr val="tx1"/>
-              </a:fontRef>
-            </p:style>
-          </p:cxnSp>
-          <p:cxnSp>
-            <p:nvCxnSpPr>
-              <p:cNvPr id="17" name="Straight Arrow Connector 16"/>
-              <p:cNvCxnSpPr/>
-              <p:nvPr/>
-            </p:nvCxnSpPr>
-            <p:spPr>
-              <a:xfrm flipH="1">
-                <a:off x="6004367" y="2208621"/>
-                <a:ext cx="1" cy="731974"/>
-              </a:xfrm>
-              <a:prstGeom prst="straightConnector1">
-                <a:avLst/>
-              </a:prstGeom>
-              <a:ln w="28575">
-                <a:solidFill>
-                  <a:schemeClr val="bg2">
-                    <a:lumMod val="50000"/>
-                  </a:schemeClr>
-                </a:solidFill>
-                <a:headEnd type="none" w="med" len="med"/>
-                <a:tailEnd type="arrow" w="med" len="med"/>
-              </a:ln>
-              <a:effectLst/>
-            </p:spPr>
-            <p:style>
-              <a:lnRef idx="1">
-                <a:schemeClr val="accent1"/>
-              </a:lnRef>
-              <a:fillRef idx="0">
-                <a:schemeClr val="accent1"/>
-              </a:fillRef>
-              <a:effectRef idx="0">
-                <a:schemeClr val="accent1"/>
-              </a:effectRef>
-              <a:fontRef idx="minor">
-                <a:schemeClr val="tx1"/>
-              </a:fontRef>
-            </p:style>
-          </p:cxnSp>
-          <p:sp>
-            <p:nvSpPr>
-              <p:cNvPr id="18" name="TextBox 17"/>
-              <p:cNvSpPr txBox="1"/>
-              <p:nvPr/>
-            </p:nvSpPr>
-            <p:spPr>
-              <a:xfrm>
-                <a:off x="6030818" y="2364841"/>
-                <a:ext cx="961637" cy="269787"/>
-              </a:xfrm>
-              <a:prstGeom prst="rect">
-                <a:avLst/>
-              </a:prstGeom>
-              <a:noFill/>
-              <a:effectLst/>
-            </p:spPr>
-            <p:txBody>
-              <a:bodyPr wrap="square" rtlCol="0">
-                <a:spAutoFit/>
-              </a:bodyPr>
-              <a:lstStyle/>
-              <a:p>
-                <a:r>
-                  <a:rPr lang="en-US" sz="2940" dirty="0">
-                    <a:solidFill>
-                      <a:srgbClr val="A8927A"/>
-                    </a:solidFill>
-                  </a:rPr>
-                  <a:t>audio in</a:t>
-                </a:r>
-              </a:p>
-            </p:txBody>
-          </p:sp>
-          <p:sp>
-            <p:nvSpPr>
-              <p:cNvPr id="19" name="TextBox 18"/>
-              <p:cNvSpPr txBox="1"/>
-              <p:nvPr/>
-            </p:nvSpPr>
-            <p:spPr>
-              <a:xfrm>
-                <a:off x="6024131" y="3980114"/>
-                <a:ext cx="1152292" cy="269787"/>
-              </a:xfrm>
-              <a:prstGeom prst="rect">
-                <a:avLst/>
-              </a:prstGeom>
-              <a:noFill/>
-              <a:effectLst/>
-            </p:spPr>
-            <p:txBody>
-              <a:bodyPr wrap="square" rtlCol="0">
-                <a:spAutoFit/>
-              </a:bodyPr>
-              <a:lstStyle/>
-              <a:p>
-                <a:r>
-                  <a:rPr lang="en-US" sz="2940" dirty="0">
-                    <a:solidFill>
-                      <a:srgbClr val="A8927A"/>
-                    </a:solidFill>
-                  </a:rPr>
-                  <a:t>audio out</a:t>
-                </a:r>
-              </a:p>
-            </p:txBody>
-          </p:sp>
-          <p:grpSp>
-            <p:nvGrpSpPr>
-              <p:cNvPr id="20" name="Group 19"/>
-              <p:cNvGrpSpPr/>
-              <p:nvPr/>
-            </p:nvGrpSpPr>
-            <p:grpSpPr>
-              <a:xfrm>
-                <a:off x="5222290" y="1993559"/>
-                <a:ext cx="625929" cy="402713"/>
-                <a:chOff x="16852900" y="7334250"/>
-                <a:chExt cx="957901" cy="1550194"/>
-              </a:xfrm>
-              <a:effectLst/>
-            </p:grpSpPr>
-            <p:cxnSp>
-              <p:nvCxnSpPr>
-                <p:cNvPr id="48" name="Straight Connector 47"/>
-                <p:cNvCxnSpPr/>
-                <p:nvPr/>
-              </p:nvCxnSpPr>
-              <p:spPr>
-                <a:xfrm flipV="1">
-                  <a:off x="16852900" y="7937500"/>
-                  <a:ext cx="76200" cy="400050"/>
-                </a:xfrm>
-                <a:prstGeom prst="line">
-                  <a:avLst/>
-                </a:prstGeom>
-                <a:ln w="28575">
-                  <a:solidFill>
-                    <a:srgbClr val="0070C0"/>
-                  </a:solidFill>
-                </a:ln>
-              </p:spPr>
-              <p:style>
-                <a:lnRef idx="1">
-                  <a:schemeClr val="accent1"/>
-                </a:lnRef>
-                <a:fillRef idx="0">
-                  <a:schemeClr val="accent1"/>
-                </a:fillRef>
-                <a:effectRef idx="0">
-                  <a:schemeClr val="accent1"/>
-                </a:effectRef>
-                <a:fontRef idx="minor">
-                  <a:schemeClr val="tx1"/>
-                </a:fontRef>
-              </p:style>
-            </p:cxnSp>
-            <p:cxnSp>
-              <p:nvCxnSpPr>
-                <p:cNvPr id="49" name="Straight Connector 48"/>
-                <p:cNvCxnSpPr/>
-                <p:nvPr/>
-              </p:nvCxnSpPr>
-              <p:spPr>
-                <a:xfrm>
-                  <a:off x="16925925" y="7936706"/>
-                  <a:ext cx="66065" cy="547688"/>
-                </a:xfrm>
-                <a:prstGeom prst="line">
-                  <a:avLst/>
-                </a:prstGeom>
-                <a:ln w="28575">
-                  <a:solidFill>
-                    <a:srgbClr val="0070C0"/>
-                  </a:solidFill>
-                </a:ln>
-              </p:spPr>
-              <p:style>
-                <a:lnRef idx="1">
-                  <a:schemeClr val="accent1"/>
-                </a:lnRef>
-                <a:fillRef idx="0">
-                  <a:schemeClr val="accent1"/>
-                </a:fillRef>
-                <a:effectRef idx="0">
-                  <a:schemeClr val="accent1"/>
-                </a:effectRef>
-                <a:fontRef idx="minor">
-                  <a:schemeClr val="tx1"/>
-                </a:fontRef>
-              </p:style>
-            </p:cxnSp>
-            <p:cxnSp>
-              <p:nvCxnSpPr>
-                <p:cNvPr id="50" name="Straight Connector 49"/>
-                <p:cNvCxnSpPr/>
-                <p:nvPr/>
-              </p:nvCxnSpPr>
-              <p:spPr>
-                <a:xfrm flipV="1">
-                  <a:off x="16994981" y="7624763"/>
-                  <a:ext cx="54759" cy="859631"/>
-                </a:xfrm>
-                <a:prstGeom prst="line">
-                  <a:avLst/>
-                </a:prstGeom>
-                <a:ln w="28575">
-                  <a:solidFill>
-                    <a:srgbClr val="0070C0"/>
-                  </a:solidFill>
-                </a:ln>
-              </p:spPr>
-              <p:style>
-                <a:lnRef idx="1">
-                  <a:schemeClr val="accent1"/>
-                </a:lnRef>
-                <a:fillRef idx="0">
-                  <a:schemeClr val="accent1"/>
-                </a:fillRef>
-                <a:effectRef idx="0">
-                  <a:schemeClr val="accent1"/>
-                </a:effectRef>
-                <a:fontRef idx="minor">
-                  <a:schemeClr val="tx1"/>
-                </a:fontRef>
-              </p:style>
-            </p:cxnSp>
-            <p:cxnSp>
-              <p:nvCxnSpPr>
-                <p:cNvPr id="51" name="Straight Connector 50"/>
-                <p:cNvCxnSpPr/>
-                <p:nvPr/>
-              </p:nvCxnSpPr>
-              <p:spPr>
-                <a:xfrm>
-                  <a:off x="17049740" y="7620000"/>
-                  <a:ext cx="65881" cy="1054894"/>
-                </a:xfrm>
-                <a:prstGeom prst="line">
-                  <a:avLst/>
-                </a:prstGeom>
-                <a:ln w="28575">
-                  <a:solidFill>
-                    <a:srgbClr val="0070C0"/>
-                  </a:solidFill>
-                </a:ln>
-              </p:spPr>
-              <p:style>
-                <a:lnRef idx="1">
-                  <a:schemeClr val="accent1"/>
-                </a:lnRef>
-                <a:fillRef idx="0">
-                  <a:schemeClr val="accent1"/>
-                </a:fillRef>
-                <a:effectRef idx="0">
-                  <a:schemeClr val="accent1"/>
-                </a:effectRef>
-                <a:fontRef idx="minor">
-                  <a:schemeClr val="tx1"/>
-                </a:fontRef>
-              </p:style>
-            </p:cxnSp>
-            <p:cxnSp>
-              <p:nvCxnSpPr>
-                <p:cNvPr id="52" name="Straight Connector 51"/>
-                <p:cNvCxnSpPr/>
-                <p:nvPr/>
-              </p:nvCxnSpPr>
-              <p:spPr>
-                <a:xfrm flipV="1">
-                  <a:off x="17115621" y="7400753"/>
-                  <a:ext cx="48429" cy="1269378"/>
-                </a:xfrm>
-                <a:prstGeom prst="line">
-                  <a:avLst/>
-                </a:prstGeom>
-                <a:ln w="28575">
-                  <a:solidFill>
-                    <a:srgbClr val="0070C0"/>
-                  </a:solidFill>
-                </a:ln>
-              </p:spPr>
-              <p:style>
-                <a:lnRef idx="1">
-                  <a:schemeClr val="accent1"/>
-                </a:lnRef>
-                <a:fillRef idx="0">
-                  <a:schemeClr val="accent1"/>
-                </a:fillRef>
-                <a:effectRef idx="0">
-                  <a:schemeClr val="accent1"/>
-                </a:effectRef>
-                <a:fontRef idx="minor">
-                  <a:schemeClr val="tx1"/>
-                </a:fontRef>
-              </p:style>
-            </p:cxnSp>
-            <p:cxnSp>
-              <p:nvCxnSpPr>
-                <p:cNvPr id="53" name="Straight Connector 52"/>
-                <p:cNvCxnSpPr/>
-                <p:nvPr/>
-              </p:nvCxnSpPr>
-              <p:spPr>
-                <a:xfrm>
-                  <a:off x="17170380" y="7400753"/>
-                  <a:ext cx="30570" cy="1433685"/>
-                </a:xfrm>
-                <a:prstGeom prst="line">
-                  <a:avLst/>
-                </a:prstGeom>
-                <a:ln w="28575">
-                  <a:solidFill>
-                    <a:srgbClr val="0070C0"/>
-                  </a:solidFill>
-                </a:ln>
-              </p:spPr>
-              <p:style>
-                <a:lnRef idx="1">
-                  <a:schemeClr val="accent1"/>
-                </a:lnRef>
-                <a:fillRef idx="0">
-                  <a:schemeClr val="accent1"/>
-                </a:fillRef>
-                <a:effectRef idx="0">
-                  <a:schemeClr val="accent1"/>
-                </a:effectRef>
-                <a:fontRef idx="minor">
-                  <a:schemeClr val="tx1"/>
-                </a:fontRef>
-              </p:style>
-            </p:cxnSp>
-            <p:cxnSp>
-              <p:nvCxnSpPr>
-                <p:cNvPr id="54" name="Straight Connector 53"/>
-                <p:cNvCxnSpPr/>
-                <p:nvPr/>
-              </p:nvCxnSpPr>
-              <p:spPr>
-                <a:xfrm flipV="1">
-                  <a:off x="17200950" y="7334250"/>
-                  <a:ext cx="60731" cy="1508617"/>
-                </a:xfrm>
-                <a:prstGeom prst="line">
-                  <a:avLst/>
-                </a:prstGeom>
-                <a:ln w="28575">
-                  <a:solidFill>
-                    <a:srgbClr val="0070C0"/>
-                  </a:solidFill>
-                </a:ln>
-              </p:spPr>
-              <p:style>
-                <a:lnRef idx="1">
-                  <a:schemeClr val="accent1"/>
-                </a:lnRef>
-                <a:fillRef idx="0">
-                  <a:schemeClr val="accent1"/>
-                </a:fillRef>
-                <a:effectRef idx="0">
-                  <a:schemeClr val="accent1"/>
-                </a:effectRef>
-                <a:fontRef idx="minor">
-                  <a:schemeClr val="tx1"/>
-                </a:fontRef>
-              </p:style>
-            </p:cxnSp>
-            <p:cxnSp>
-              <p:nvCxnSpPr>
-                <p:cNvPr id="55" name="Straight Connector 54"/>
-                <p:cNvCxnSpPr/>
-                <p:nvPr/>
-              </p:nvCxnSpPr>
-              <p:spPr>
-                <a:xfrm>
-                  <a:off x="17255709" y="7336631"/>
-                  <a:ext cx="55979" cy="1545432"/>
-                </a:xfrm>
-                <a:prstGeom prst="line">
-                  <a:avLst/>
-                </a:prstGeom>
-                <a:ln w="28575">
-                  <a:solidFill>
-                    <a:srgbClr val="0070C0"/>
-                  </a:solidFill>
-                </a:ln>
-              </p:spPr>
-              <p:style>
-                <a:lnRef idx="1">
-                  <a:schemeClr val="accent1"/>
-                </a:lnRef>
-                <a:fillRef idx="0">
-                  <a:schemeClr val="accent1"/>
-                </a:fillRef>
-                <a:effectRef idx="0">
-                  <a:schemeClr val="accent1"/>
-                </a:effectRef>
-                <a:fontRef idx="minor">
-                  <a:schemeClr val="tx1"/>
-                </a:fontRef>
-              </p:style>
-            </p:cxnSp>
-            <p:cxnSp>
-              <p:nvCxnSpPr>
-                <p:cNvPr id="56" name="Straight Connector 55"/>
-                <p:cNvCxnSpPr/>
-                <p:nvPr/>
-              </p:nvCxnSpPr>
-              <p:spPr>
-                <a:xfrm flipV="1">
-                  <a:off x="17314069" y="7476840"/>
-                  <a:ext cx="33337" cy="1407604"/>
-                </a:xfrm>
-                <a:prstGeom prst="line">
-                  <a:avLst/>
-                </a:prstGeom>
-                <a:ln w="28575">
-                  <a:solidFill>
-                    <a:srgbClr val="0070C0"/>
-                  </a:solidFill>
-                </a:ln>
-              </p:spPr>
-              <p:style>
-                <a:lnRef idx="1">
-                  <a:schemeClr val="accent1"/>
-                </a:lnRef>
-                <a:fillRef idx="0">
-                  <a:schemeClr val="accent1"/>
-                </a:fillRef>
-                <a:effectRef idx="0">
-                  <a:schemeClr val="accent1"/>
-                </a:effectRef>
-                <a:fontRef idx="minor">
-                  <a:schemeClr val="tx1"/>
-                </a:fontRef>
-              </p:style>
-            </p:cxnSp>
-            <p:cxnSp>
-              <p:nvCxnSpPr>
-                <p:cNvPr id="57" name="Straight Connector 56"/>
-                <p:cNvCxnSpPr/>
-                <p:nvPr/>
-              </p:nvCxnSpPr>
-              <p:spPr>
-                <a:xfrm>
-                  <a:off x="17345025" y="7476840"/>
-                  <a:ext cx="52388" cy="1270652"/>
-                </a:xfrm>
-                <a:prstGeom prst="line">
-                  <a:avLst/>
-                </a:prstGeom>
-                <a:ln w="28575">
-                  <a:solidFill>
-                    <a:srgbClr val="0070C0"/>
-                  </a:solidFill>
-                </a:ln>
-              </p:spPr>
-              <p:style>
-                <a:lnRef idx="1">
-                  <a:schemeClr val="accent1"/>
-                </a:lnRef>
-                <a:fillRef idx="0">
-                  <a:schemeClr val="accent1"/>
-                </a:fillRef>
-                <a:effectRef idx="0">
-                  <a:schemeClr val="accent1"/>
-                </a:effectRef>
-                <a:fontRef idx="minor">
-                  <a:schemeClr val="tx1"/>
-                </a:fontRef>
-              </p:style>
-            </p:cxnSp>
-            <p:cxnSp>
-              <p:nvCxnSpPr>
-                <p:cNvPr id="58" name="Straight Connector 57"/>
-                <p:cNvCxnSpPr/>
-                <p:nvPr/>
-              </p:nvCxnSpPr>
-              <p:spPr>
-                <a:xfrm flipV="1">
-                  <a:off x="17397413" y="7576560"/>
-                  <a:ext cx="40481" cy="1170932"/>
-                </a:xfrm>
-                <a:prstGeom prst="line">
-                  <a:avLst/>
-                </a:prstGeom>
-                <a:ln w="28575">
-                  <a:solidFill>
-                    <a:srgbClr val="0070C0"/>
-                  </a:solidFill>
-                </a:ln>
-              </p:spPr>
-              <p:style>
-                <a:lnRef idx="1">
-                  <a:schemeClr val="accent1"/>
-                </a:lnRef>
-                <a:fillRef idx="0">
-                  <a:schemeClr val="accent1"/>
-                </a:fillRef>
-                <a:effectRef idx="0">
-                  <a:schemeClr val="accent1"/>
-                </a:effectRef>
-                <a:fontRef idx="minor">
-                  <a:schemeClr val="tx1"/>
-                </a:fontRef>
-              </p:style>
-            </p:cxnSp>
-            <p:cxnSp>
-              <p:nvCxnSpPr>
-                <p:cNvPr id="59" name="Straight Connector 58"/>
-                <p:cNvCxnSpPr/>
-                <p:nvPr/>
-              </p:nvCxnSpPr>
-              <p:spPr>
-                <a:xfrm>
-                  <a:off x="17436865" y="7556500"/>
-                  <a:ext cx="57240" cy="864817"/>
-                </a:xfrm>
-                <a:prstGeom prst="line">
-                  <a:avLst/>
-                </a:prstGeom>
-                <a:ln w="28575">
-                  <a:solidFill>
-                    <a:srgbClr val="0070C0"/>
-                  </a:solidFill>
-                </a:ln>
-              </p:spPr>
-              <p:style>
-                <a:lnRef idx="1">
-                  <a:schemeClr val="accent1"/>
-                </a:lnRef>
-                <a:fillRef idx="0">
-                  <a:schemeClr val="accent1"/>
-                </a:fillRef>
-                <a:effectRef idx="0">
-                  <a:schemeClr val="accent1"/>
-                </a:effectRef>
-                <a:fontRef idx="minor">
-                  <a:schemeClr val="tx1"/>
-                </a:fontRef>
-              </p:style>
-            </p:cxnSp>
-            <p:cxnSp>
-              <p:nvCxnSpPr>
-                <p:cNvPr id="60" name="Straight Connector 59"/>
-                <p:cNvCxnSpPr/>
-                <p:nvPr/>
-              </p:nvCxnSpPr>
-              <p:spPr>
-                <a:xfrm flipV="1">
-                  <a:off x="17494105" y="7798594"/>
-                  <a:ext cx="62890" cy="628650"/>
-                </a:xfrm>
-                <a:prstGeom prst="line">
-                  <a:avLst/>
-                </a:prstGeom>
-                <a:ln w="28575">
-                  <a:solidFill>
-                    <a:srgbClr val="0070C0"/>
-                  </a:solidFill>
-                </a:ln>
-              </p:spPr>
-              <p:style>
-                <a:lnRef idx="1">
-                  <a:schemeClr val="accent1"/>
-                </a:lnRef>
-                <a:fillRef idx="0">
-                  <a:schemeClr val="accent1"/>
-                </a:fillRef>
-                <a:effectRef idx="0">
-                  <a:schemeClr val="accent1"/>
-                </a:effectRef>
-                <a:fontRef idx="minor">
-                  <a:schemeClr val="tx1"/>
-                </a:fontRef>
-              </p:style>
-            </p:cxnSp>
-            <p:cxnSp>
-              <p:nvCxnSpPr>
-                <p:cNvPr id="61" name="Straight Connector 60"/>
-                <p:cNvCxnSpPr/>
-                <p:nvPr/>
-              </p:nvCxnSpPr>
-              <p:spPr>
-                <a:xfrm>
-                  <a:off x="17556995" y="7805738"/>
-                  <a:ext cx="30918" cy="492918"/>
-                </a:xfrm>
-                <a:prstGeom prst="line">
-                  <a:avLst/>
-                </a:prstGeom>
-                <a:ln w="28575">
-                  <a:solidFill>
-                    <a:srgbClr val="0070C0"/>
-                  </a:solidFill>
-                </a:ln>
-              </p:spPr>
-              <p:style>
-                <a:lnRef idx="1">
-                  <a:schemeClr val="accent1"/>
-                </a:lnRef>
-                <a:fillRef idx="0">
-                  <a:schemeClr val="accent1"/>
-                </a:fillRef>
-                <a:effectRef idx="0">
-                  <a:schemeClr val="accent1"/>
-                </a:effectRef>
-                <a:fontRef idx="minor">
-                  <a:schemeClr val="tx1"/>
-                </a:fontRef>
-              </p:style>
-            </p:cxnSp>
-            <p:cxnSp>
-              <p:nvCxnSpPr>
-                <p:cNvPr id="62" name="Straight Connector 61"/>
-                <p:cNvCxnSpPr/>
-                <p:nvPr/>
-              </p:nvCxnSpPr>
-              <p:spPr>
-                <a:xfrm flipV="1">
-                  <a:off x="17587913" y="7936706"/>
-                  <a:ext cx="48273" cy="350275"/>
-                </a:xfrm>
-                <a:prstGeom prst="line">
-                  <a:avLst/>
-                </a:prstGeom>
-                <a:ln w="28575">
-                  <a:solidFill>
-                    <a:srgbClr val="0070C0"/>
-                  </a:solidFill>
-                </a:ln>
-              </p:spPr>
-              <p:style>
-                <a:lnRef idx="1">
-                  <a:schemeClr val="accent1"/>
-                </a:lnRef>
-                <a:fillRef idx="0">
-                  <a:schemeClr val="accent1"/>
-                </a:fillRef>
-                <a:effectRef idx="0">
-                  <a:schemeClr val="accent1"/>
-                </a:effectRef>
-                <a:fontRef idx="minor">
-                  <a:schemeClr val="tx1"/>
-                </a:fontRef>
-              </p:style>
-            </p:cxnSp>
-            <p:cxnSp>
-              <p:nvCxnSpPr>
-                <p:cNvPr id="63" name="Straight Connector 62"/>
-                <p:cNvCxnSpPr/>
-                <p:nvPr/>
-              </p:nvCxnSpPr>
-              <p:spPr>
-                <a:xfrm>
-                  <a:off x="17636186" y="7936706"/>
-                  <a:ext cx="32689" cy="421596"/>
-                </a:xfrm>
-                <a:prstGeom prst="line">
-                  <a:avLst/>
-                </a:prstGeom>
-                <a:ln w="28575">
-                  <a:solidFill>
-                    <a:srgbClr val="0070C0"/>
-                  </a:solidFill>
-                </a:ln>
-              </p:spPr>
-              <p:style>
-                <a:lnRef idx="1">
-                  <a:schemeClr val="accent1"/>
-                </a:lnRef>
-                <a:fillRef idx="0">
-                  <a:schemeClr val="accent1"/>
-                </a:fillRef>
-                <a:effectRef idx="0">
-                  <a:schemeClr val="accent1"/>
-                </a:effectRef>
-                <a:fontRef idx="minor">
-                  <a:schemeClr val="tx1"/>
-                </a:fontRef>
-              </p:style>
-            </p:cxnSp>
-            <p:cxnSp>
-              <p:nvCxnSpPr>
-                <p:cNvPr id="64" name="Straight Connector 63"/>
-                <p:cNvCxnSpPr/>
-                <p:nvPr/>
-              </p:nvCxnSpPr>
-              <p:spPr>
-                <a:xfrm flipV="1">
-                  <a:off x="17667104" y="7901816"/>
-                  <a:ext cx="23057" cy="468298"/>
-                </a:xfrm>
-                <a:prstGeom prst="line">
-                  <a:avLst/>
-                </a:prstGeom>
-                <a:ln w="28575">
-                  <a:solidFill>
-                    <a:srgbClr val="0070C0"/>
-                  </a:solidFill>
-                </a:ln>
-              </p:spPr>
-              <p:style>
-                <a:lnRef idx="1">
-                  <a:schemeClr val="accent1"/>
-                </a:lnRef>
-                <a:fillRef idx="0">
-                  <a:schemeClr val="accent1"/>
-                </a:fillRef>
-                <a:effectRef idx="0">
-                  <a:schemeClr val="accent1"/>
-                </a:effectRef>
-                <a:fontRef idx="minor">
-                  <a:schemeClr val="tx1"/>
-                </a:fontRef>
-              </p:style>
-            </p:cxnSp>
-            <p:cxnSp>
-              <p:nvCxnSpPr>
-                <p:cNvPr id="65" name="Straight Connector 64"/>
-                <p:cNvCxnSpPr/>
-                <p:nvPr/>
-              </p:nvCxnSpPr>
-              <p:spPr>
-                <a:xfrm>
-                  <a:off x="17690945" y="7901816"/>
-                  <a:ext cx="24432" cy="396840"/>
-                </a:xfrm>
-                <a:prstGeom prst="line">
-                  <a:avLst/>
-                </a:prstGeom>
-                <a:ln w="28575">
-                  <a:solidFill>
-                    <a:srgbClr val="0070C0"/>
-                  </a:solidFill>
-                </a:ln>
-              </p:spPr>
-              <p:style>
-                <a:lnRef idx="1">
-                  <a:schemeClr val="accent1"/>
-                </a:lnRef>
-                <a:fillRef idx="0">
-                  <a:schemeClr val="accent1"/>
-                </a:fillRef>
-                <a:effectRef idx="0">
-                  <a:schemeClr val="accent1"/>
-                </a:effectRef>
-                <a:fontRef idx="minor">
-                  <a:schemeClr val="tx1"/>
-                </a:fontRef>
-              </p:style>
-            </p:cxnSp>
-            <p:cxnSp>
-              <p:nvCxnSpPr>
-                <p:cNvPr id="66" name="Straight Connector 65"/>
-                <p:cNvCxnSpPr/>
-                <p:nvPr/>
-              </p:nvCxnSpPr>
-              <p:spPr>
-                <a:xfrm flipV="1">
-                  <a:off x="17715377" y="8005763"/>
-                  <a:ext cx="30918" cy="292893"/>
-                </a:xfrm>
-                <a:prstGeom prst="line">
-                  <a:avLst/>
-                </a:prstGeom>
-                <a:ln w="28575">
-                  <a:solidFill>
-                    <a:srgbClr val="0070C0"/>
-                  </a:solidFill>
-                </a:ln>
-              </p:spPr>
-              <p:style>
-                <a:lnRef idx="1">
-                  <a:schemeClr val="accent1"/>
-                </a:lnRef>
-                <a:fillRef idx="0">
-                  <a:schemeClr val="accent1"/>
-                </a:fillRef>
-                <a:effectRef idx="0">
-                  <a:schemeClr val="accent1"/>
-                </a:effectRef>
-                <a:fontRef idx="minor">
-                  <a:schemeClr val="tx1"/>
-                </a:fontRef>
-              </p:style>
-            </p:cxnSp>
-            <p:cxnSp>
-              <p:nvCxnSpPr>
-                <p:cNvPr id="67" name="Straight Connector 66"/>
-                <p:cNvCxnSpPr/>
-                <p:nvPr/>
-              </p:nvCxnSpPr>
-              <p:spPr>
-                <a:xfrm>
-                  <a:off x="17746295" y="8008144"/>
-                  <a:ext cx="23057" cy="244039"/>
-                </a:xfrm>
-                <a:prstGeom prst="line">
-                  <a:avLst/>
-                </a:prstGeom>
-                <a:ln w="28575">
-                  <a:solidFill>
-                    <a:srgbClr val="0070C0"/>
-                  </a:solidFill>
-                </a:ln>
-              </p:spPr>
-              <p:style>
-                <a:lnRef idx="1">
-                  <a:schemeClr val="accent1"/>
-                </a:lnRef>
-                <a:fillRef idx="0">
-                  <a:schemeClr val="accent1"/>
-                </a:fillRef>
-                <a:effectRef idx="0">
-                  <a:schemeClr val="accent1"/>
-                </a:effectRef>
-                <a:fontRef idx="minor">
-                  <a:schemeClr val="tx1"/>
-                </a:fontRef>
-              </p:style>
-            </p:cxnSp>
-            <p:cxnSp>
-              <p:nvCxnSpPr>
-                <p:cNvPr id="68" name="Straight Connector 67"/>
-                <p:cNvCxnSpPr/>
-                <p:nvPr/>
-              </p:nvCxnSpPr>
-              <p:spPr>
-                <a:xfrm flipV="1">
-                  <a:off x="17769352" y="8030404"/>
-                  <a:ext cx="41449" cy="221779"/>
-                </a:xfrm>
-                <a:prstGeom prst="line">
-                  <a:avLst/>
-                </a:prstGeom>
-                <a:ln w="28575">
-                  <a:solidFill>
-                    <a:srgbClr val="0070C0"/>
-                  </a:solidFill>
-                </a:ln>
-              </p:spPr>
-              <p:style>
-                <a:lnRef idx="1">
-                  <a:schemeClr val="accent1"/>
-                </a:lnRef>
-                <a:fillRef idx="0">
-                  <a:schemeClr val="accent1"/>
-                </a:fillRef>
-                <a:effectRef idx="0">
-                  <a:schemeClr val="accent1"/>
-                </a:effectRef>
-                <a:fontRef idx="minor">
-                  <a:schemeClr val="tx1"/>
-                </a:fontRef>
-              </p:style>
-            </p:cxnSp>
-          </p:grpSp>
-          <p:grpSp>
-            <p:nvGrpSpPr>
-              <p:cNvPr id="21" name="Group 20"/>
-              <p:cNvGrpSpPr/>
-              <p:nvPr/>
-            </p:nvGrpSpPr>
-            <p:grpSpPr>
-              <a:xfrm>
-                <a:off x="5267002" y="3876558"/>
-                <a:ext cx="625929" cy="902222"/>
-                <a:chOff x="16852900" y="7334250"/>
-                <a:chExt cx="957901" cy="1550194"/>
-              </a:xfrm>
-              <a:effectLst/>
-            </p:grpSpPr>
-            <p:cxnSp>
-              <p:nvCxnSpPr>
-                <p:cNvPr id="27" name="Straight Connector 26"/>
-                <p:cNvCxnSpPr/>
-                <p:nvPr/>
-              </p:nvCxnSpPr>
-              <p:spPr>
-                <a:xfrm flipV="1">
-                  <a:off x="16852900" y="7937500"/>
-                  <a:ext cx="76200" cy="400050"/>
-                </a:xfrm>
-                <a:prstGeom prst="line">
-                  <a:avLst/>
-                </a:prstGeom>
-                <a:ln w="28575">
-                  <a:solidFill>
-                    <a:srgbClr val="0070C0"/>
-                  </a:solidFill>
-                </a:ln>
-              </p:spPr>
-              <p:style>
-                <a:lnRef idx="1">
-                  <a:schemeClr val="accent1"/>
-                </a:lnRef>
-                <a:fillRef idx="0">
-                  <a:schemeClr val="accent1"/>
-                </a:fillRef>
-                <a:effectRef idx="0">
-                  <a:schemeClr val="accent1"/>
-                </a:effectRef>
-                <a:fontRef idx="minor">
-                  <a:schemeClr val="tx1"/>
-                </a:fontRef>
-              </p:style>
-            </p:cxnSp>
-            <p:cxnSp>
-              <p:nvCxnSpPr>
-                <p:cNvPr id="28" name="Straight Connector 27"/>
-                <p:cNvCxnSpPr/>
-                <p:nvPr/>
-              </p:nvCxnSpPr>
-              <p:spPr>
-                <a:xfrm>
-                  <a:off x="16925925" y="7936706"/>
-                  <a:ext cx="66065" cy="547688"/>
-                </a:xfrm>
-                <a:prstGeom prst="line">
-                  <a:avLst/>
-                </a:prstGeom>
-                <a:ln w="28575">
-                  <a:solidFill>
-                    <a:srgbClr val="0070C0"/>
-                  </a:solidFill>
-                </a:ln>
-              </p:spPr>
-              <p:style>
-                <a:lnRef idx="1">
-                  <a:schemeClr val="accent1"/>
-                </a:lnRef>
-                <a:fillRef idx="0">
-                  <a:schemeClr val="accent1"/>
-                </a:fillRef>
-                <a:effectRef idx="0">
-                  <a:schemeClr val="accent1"/>
-                </a:effectRef>
-                <a:fontRef idx="minor">
-                  <a:schemeClr val="tx1"/>
-                </a:fontRef>
-              </p:style>
-            </p:cxnSp>
-            <p:cxnSp>
-              <p:nvCxnSpPr>
-                <p:cNvPr id="29" name="Straight Connector 28"/>
-                <p:cNvCxnSpPr/>
-                <p:nvPr/>
-              </p:nvCxnSpPr>
-              <p:spPr>
-                <a:xfrm flipV="1">
-                  <a:off x="16994981" y="7624763"/>
-                  <a:ext cx="54759" cy="859631"/>
-                </a:xfrm>
-                <a:prstGeom prst="line">
-                  <a:avLst/>
-                </a:prstGeom>
-                <a:ln w="28575">
-                  <a:solidFill>
-                    <a:srgbClr val="0070C0"/>
-                  </a:solidFill>
-                </a:ln>
-              </p:spPr>
-              <p:style>
-                <a:lnRef idx="1">
-                  <a:schemeClr val="accent1"/>
-                </a:lnRef>
-                <a:fillRef idx="0">
-                  <a:schemeClr val="accent1"/>
-                </a:fillRef>
-                <a:effectRef idx="0">
-                  <a:schemeClr val="accent1"/>
-                </a:effectRef>
-                <a:fontRef idx="minor">
-                  <a:schemeClr val="tx1"/>
-                </a:fontRef>
-              </p:style>
-            </p:cxnSp>
-            <p:cxnSp>
-              <p:nvCxnSpPr>
-                <p:cNvPr id="30" name="Straight Connector 29"/>
-                <p:cNvCxnSpPr/>
-                <p:nvPr/>
-              </p:nvCxnSpPr>
-              <p:spPr>
-                <a:xfrm>
-                  <a:off x="17049740" y="7620000"/>
-                  <a:ext cx="65881" cy="1054894"/>
-                </a:xfrm>
-                <a:prstGeom prst="line">
-                  <a:avLst/>
-                </a:prstGeom>
-                <a:ln w="28575">
-                  <a:solidFill>
-                    <a:srgbClr val="0070C0"/>
-                  </a:solidFill>
-                </a:ln>
-              </p:spPr>
-              <p:style>
-                <a:lnRef idx="1">
-                  <a:schemeClr val="accent1"/>
-                </a:lnRef>
-                <a:fillRef idx="0">
-                  <a:schemeClr val="accent1"/>
-                </a:fillRef>
-                <a:effectRef idx="0">
-                  <a:schemeClr val="accent1"/>
-                </a:effectRef>
-                <a:fontRef idx="minor">
-                  <a:schemeClr val="tx1"/>
-                </a:fontRef>
-              </p:style>
-            </p:cxnSp>
-            <p:cxnSp>
-              <p:nvCxnSpPr>
-                <p:cNvPr id="31" name="Straight Connector 30"/>
-                <p:cNvCxnSpPr/>
-                <p:nvPr/>
-              </p:nvCxnSpPr>
-              <p:spPr>
-                <a:xfrm flipV="1">
-                  <a:off x="17115621" y="7400753"/>
-                  <a:ext cx="48429" cy="1269378"/>
-                </a:xfrm>
-                <a:prstGeom prst="line">
-                  <a:avLst/>
-                </a:prstGeom>
-                <a:ln w="28575">
-                  <a:solidFill>
-                    <a:srgbClr val="0070C0"/>
-                  </a:solidFill>
-                </a:ln>
-              </p:spPr>
-              <p:style>
-                <a:lnRef idx="1">
-                  <a:schemeClr val="accent1"/>
-                </a:lnRef>
-                <a:fillRef idx="0">
-                  <a:schemeClr val="accent1"/>
-                </a:fillRef>
-                <a:effectRef idx="0">
-                  <a:schemeClr val="accent1"/>
-                </a:effectRef>
-                <a:fontRef idx="minor">
-                  <a:schemeClr val="tx1"/>
-                </a:fontRef>
-              </p:style>
-            </p:cxnSp>
-            <p:cxnSp>
-              <p:nvCxnSpPr>
-                <p:cNvPr id="32" name="Straight Connector 31"/>
-                <p:cNvCxnSpPr/>
-                <p:nvPr/>
-              </p:nvCxnSpPr>
-              <p:spPr>
-                <a:xfrm>
-                  <a:off x="17170380" y="7400753"/>
-                  <a:ext cx="30570" cy="1433685"/>
-                </a:xfrm>
-                <a:prstGeom prst="line">
-                  <a:avLst/>
-                </a:prstGeom>
-                <a:ln w="28575">
-                  <a:solidFill>
-                    <a:srgbClr val="0070C0"/>
-                  </a:solidFill>
-                </a:ln>
-              </p:spPr>
-              <p:style>
-                <a:lnRef idx="1">
-                  <a:schemeClr val="accent1"/>
-                </a:lnRef>
-                <a:fillRef idx="0">
-                  <a:schemeClr val="accent1"/>
-                </a:fillRef>
-                <a:effectRef idx="0">
-                  <a:schemeClr val="accent1"/>
-                </a:effectRef>
-                <a:fontRef idx="minor">
-                  <a:schemeClr val="tx1"/>
-                </a:fontRef>
-              </p:style>
-            </p:cxnSp>
-            <p:cxnSp>
-              <p:nvCxnSpPr>
-                <p:cNvPr id="33" name="Straight Connector 32"/>
-                <p:cNvCxnSpPr/>
-                <p:nvPr/>
-              </p:nvCxnSpPr>
-              <p:spPr>
-                <a:xfrm flipV="1">
-                  <a:off x="17200950" y="7334250"/>
-                  <a:ext cx="60731" cy="1508617"/>
-                </a:xfrm>
-                <a:prstGeom prst="line">
-                  <a:avLst/>
-                </a:prstGeom>
-                <a:ln w="28575">
-                  <a:solidFill>
-                    <a:srgbClr val="0070C0"/>
-                  </a:solidFill>
-                </a:ln>
-              </p:spPr>
-              <p:style>
-                <a:lnRef idx="1">
-                  <a:schemeClr val="accent1"/>
-                </a:lnRef>
-                <a:fillRef idx="0">
-                  <a:schemeClr val="accent1"/>
-                </a:fillRef>
-                <a:effectRef idx="0">
-                  <a:schemeClr val="accent1"/>
-                </a:effectRef>
-                <a:fontRef idx="minor">
-                  <a:schemeClr val="tx1"/>
-                </a:fontRef>
-              </p:style>
-            </p:cxnSp>
-            <p:cxnSp>
-              <p:nvCxnSpPr>
-                <p:cNvPr id="34" name="Straight Connector 33"/>
-                <p:cNvCxnSpPr/>
-                <p:nvPr/>
-              </p:nvCxnSpPr>
-              <p:spPr>
-                <a:xfrm>
-                  <a:off x="17255709" y="7336631"/>
-                  <a:ext cx="55979" cy="1545432"/>
-                </a:xfrm>
-                <a:prstGeom prst="line">
-                  <a:avLst/>
-                </a:prstGeom>
-                <a:ln w="28575">
-                  <a:solidFill>
-                    <a:srgbClr val="0070C0"/>
-                  </a:solidFill>
-                </a:ln>
-              </p:spPr>
-              <p:style>
-                <a:lnRef idx="1">
-                  <a:schemeClr val="accent1"/>
-                </a:lnRef>
-                <a:fillRef idx="0">
-                  <a:schemeClr val="accent1"/>
-                </a:fillRef>
-                <a:effectRef idx="0">
-                  <a:schemeClr val="accent1"/>
-                </a:effectRef>
-                <a:fontRef idx="minor">
-                  <a:schemeClr val="tx1"/>
-                </a:fontRef>
-              </p:style>
-            </p:cxnSp>
-            <p:cxnSp>
-              <p:nvCxnSpPr>
-                <p:cNvPr id="35" name="Straight Connector 34"/>
-                <p:cNvCxnSpPr/>
-                <p:nvPr/>
-              </p:nvCxnSpPr>
-              <p:spPr>
-                <a:xfrm flipV="1">
-                  <a:off x="17314069" y="7476840"/>
-                  <a:ext cx="33337" cy="1407604"/>
-                </a:xfrm>
-                <a:prstGeom prst="line">
-                  <a:avLst/>
-                </a:prstGeom>
-                <a:ln w="28575">
-                  <a:solidFill>
-                    <a:srgbClr val="0070C0"/>
-                  </a:solidFill>
-                </a:ln>
-              </p:spPr>
-              <p:style>
-                <a:lnRef idx="1">
-                  <a:schemeClr val="accent1"/>
-                </a:lnRef>
-                <a:fillRef idx="0">
-                  <a:schemeClr val="accent1"/>
-                </a:fillRef>
-                <a:effectRef idx="0">
-                  <a:schemeClr val="accent1"/>
-                </a:effectRef>
-                <a:fontRef idx="minor">
-                  <a:schemeClr val="tx1"/>
-                </a:fontRef>
-              </p:style>
-            </p:cxnSp>
-            <p:cxnSp>
-              <p:nvCxnSpPr>
-                <p:cNvPr id="36" name="Straight Connector 35"/>
-                <p:cNvCxnSpPr/>
-                <p:nvPr/>
-              </p:nvCxnSpPr>
-              <p:spPr>
-                <a:xfrm>
-                  <a:off x="17345025" y="7476840"/>
-                  <a:ext cx="52388" cy="1270652"/>
-                </a:xfrm>
-                <a:prstGeom prst="line">
-                  <a:avLst/>
-                </a:prstGeom>
-                <a:ln w="28575">
-                  <a:solidFill>
-                    <a:srgbClr val="0070C0"/>
-                  </a:solidFill>
-                </a:ln>
-              </p:spPr>
-              <p:style>
-                <a:lnRef idx="1">
-                  <a:schemeClr val="accent1"/>
-                </a:lnRef>
-                <a:fillRef idx="0">
-                  <a:schemeClr val="accent1"/>
-                </a:fillRef>
-                <a:effectRef idx="0">
-                  <a:schemeClr val="accent1"/>
-                </a:effectRef>
-                <a:fontRef idx="minor">
-                  <a:schemeClr val="tx1"/>
-                </a:fontRef>
-              </p:style>
-            </p:cxnSp>
-            <p:cxnSp>
-              <p:nvCxnSpPr>
-                <p:cNvPr id="37" name="Straight Connector 36"/>
-                <p:cNvCxnSpPr/>
-                <p:nvPr/>
-              </p:nvCxnSpPr>
-              <p:spPr>
-                <a:xfrm flipV="1">
-                  <a:off x="17397413" y="7576560"/>
-                  <a:ext cx="40481" cy="1170932"/>
-                </a:xfrm>
-                <a:prstGeom prst="line">
-                  <a:avLst/>
-                </a:prstGeom>
-                <a:ln w="28575">
-                  <a:solidFill>
-                    <a:srgbClr val="0070C0"/>
-                  </a:solidFill>
-                </a:ln>
-              </p:spPr>
-              <p:style>
-                <a:lnRef idx="1">
-                  <a:schemeClr val="accent1"/>
-                </a:lnRef>
-                <a:fillRef idx="0">
-                  <a:schemeClr val="accent1"/>
-                </a:fillRef>
-                <a:effectRef idx="0">
-                  <a:schemeClr val="accent1"/>
-                </a:effectRef>
-                <a:fontRef idx="minor">
-                  <a:schemeClr val="tx1"/>
-                </a:fontRef>
-              </p:style>
-            </p:cxnSp>
-            <p:cxnSp>
-              <p:nvCxnSpPr>
-                <p:cNvPr id="38" name="Straight Connector 37"/>
-                <p:cNvCxnSpPr/>
-                <p:nvPr/>
-              </p:nvCxnSpPr>
-              <p:spPr>
-                <a:xfrm>
-                  <a:off x="17436865" y="7556500"/>
-                  <a:ext cx="57240" cy="864817"/>
-                </a:xfrm>
-                <a:prstGeom prst="line">
-                  <a:avLst/>
-                </a:prstGeom>
-                <a:ln w="28575">
-                  <a:solidFill>
-                    <a:srgbClr val="0070C0"/>
-                  </a:solidFill>
-                </a:ln>
-              </p:spPr>
-              <p:style>
-                <a:lnRef idx="1">
-                  <a:schemeClr val="accent1"/>
-                </a:lnRef>
-                <a:fillRef idx="0">
-                  <a:schemeClr val="accent1"/>
-                </a:fillRef>
-                <a:effectRef idx="0">
-                  <a:schemeClr val="accent1"/>
-                </a:effectRef>
-                <a:fontRef idx="minor">
-                  <a:schemeClr val="tx1"/>
-                </a:fontRef>
-              </p:style>
-            </p:cxnSp>
-            <p:cxnSp>
-              <p:nvCxnSpPr>
-                <p:cNvPr id="39" name="Straight Connector 38"/>
-                <p:cNvCxnSpPr/>
-                <p:nvPr/>
-              </p:nvCxnSpPr>
-              <p:spPr>
-                <a:xfrm flipV="1">
-                  <a:off x="17494105" y="7798594"/>
-                  <a:ext cx="62890" cy="628650"/>
-                </a:xfrm>
-                <a:prstGeom prst="line">
-                  <a:avLst/>
-                </a:prstGeom>
-                <a:ln w="28575">
-                  <a:solidFill>
-                    <a:srgbClr val="0070C0"/>
-                  </a:solidFill>
-                </a:ln>
-              </p:spPr>
-              <p:style>
-                <a:lnRef idx="1">
-                  <a:schemeClr val="accent1"/>
-                </a:lnRef>
-                <a:fillRef idx="0">
-                  <a:schemeClr val="accent1"/>
-                </a:fillRef>
-                <a:effectRef idx="0">
-                  <a:schemeClr val="accent1"/>
-                </a:effectRef>
-                <a:fontRef idx="minor">
-                  <a:schemeClr val="tx1"/>
-                </a:fontRef>
-              </p:style>
-            </p:cxnSp>
-            <p:cxnSp>
-              <p:nvCxnSpPr>
-                <p:cNvPr id="40" name="Straight Connector 39"/>
-                <p:cNvCxnSpPr/>
-                <p:nvPr/>
-              </p:nvCxnSpPr>
-              <p:spPr>
-                <a:xfrm>
-                  <a:off x="17556995" y="7805738"/>
-                  <a:ext cx="30918" cy="492918"/>
-                </a:xfrm>
-                <a:prstGeom prst="line">
-                  <a:avLst/>
-                </a:prstGeom>
-                <a:ln w="28575">
-                  <a:solidFill>
-                    <a:srgbClr val="0070C0"/>
-                  </a:solidFill>
-                </a:ln>
-              </p:spPr>
-              <p:style>
-                <a:lnRef idx="1">
-                  <a:schemeClr val="accent1"/>
-                </a:lnRef>
-                <a:fillRef idx="0">
-                  <a:schemeClr val="accent1"/>
-                </a:fillRef>
-                <a:effectRef idx="0">
-                  <a:schemeClr val="accent1"/>
-                </a:effectRef>
-                <a:fontRef idx="minor">
-                  <a:schemeClr val="tx1"/>
-                </a:fontRef>
-              </p:style>
-            </p:cxnSp>
-            <p:cxnSp>
-              <p:nvCxnSpPr>
-                <p:cNvPr id="41" name="Straight Connector 40"/>
-                <p:cNvCxnSpPr/>
-                <p:nvPr/>
-              </p:nvCxnSpPr>
-              <p:spPr>
-                <a:xfrm flipV="1">
-                  <a:off x="17587913" y="7936706"/>
-                  <a:ext cx="48273" cy="350275"/>
-                </a:xfrm>
-                <a:prstGeom prst="line">
-                  <a:avLst/>
-                </a:prstGeom>
-                <a:ln w="28575">
-                  <a:solidFill>
-                    <a:srgbClr val="0070C0"/>
-                  </a:solidFill>
-                </a:ln>
-              </p:spPr>
-              <p:style>
-                <a:lnRef idx="1">
-                  <a:schemeClr val="accent1"/>
-                </a:lnRef>
-                <a:fillRef idx="0">
-                  <a:schemeClr val="accent1"/>
-                </a:fillRef>
-                <a:effectRef idx="0">
-                  <a:schemeClr val="accent1"/>
-                </a:effectRef>
-                <a:fontRef idx="minor">
-                  <a:schemeClr val="tx1"/>
-                </a:fontRef>
-              </p:style>
-            </p:cxnSp>
-            <p:cxnSp>
-              <p:nvCxnSpPr>
-                <p:cNvPr id="42" name="Straight Connector 41"/>
-                <p:cNvCxnSpPr/>
-                <p:nvPr/>
-              </p:nvCxnSpPr>
-              <p:spPr>
-                <a:xfrm>
-                  <a:off x="17636186" y="7936706"/>
-                  <a:ext cx="32689" cy="421596"/>
-                </a:xfrm>
-                <a:prstGeom prst="line">
-                  <a:avLst/>
-                </a:prstGeom>
-                <a:ln w="28575">
-                  <a:solidFill>
-                    <a:srgbClr val="0070C0"/>
-                  </a:solidFill>
-                </a:ln>
-              </p:spPr>
-              <p:style>
-                <a:lnRef idx="1">
-                  <a:schemeClr val="accent1"/>
-                </a:lnRef>
-                <a:fillRef idx="0">
-                  <a:schemeClr val="accent1"/>
-                </a:fillRef>
-                <a:effectRef idx="0">
-                  <a:schemeClr val="accent1"/>
-                </a:effectRef>
-                <a:fontRef idx="minor">
-                  <a:schemeClr val="tx1"/>
-                </a:fontRef>
-              </p:style>
-            </p:cxnSp>
-            <p:cxnSp>
-              <p:nvCxnSpPr>
-                <p:cNvPr id="43" name="Straight Connector 42"/>
-                <p:cNvCxnSpPr/>
-                <p:nvPr/>
-              </p:nvCxnSpPr>
-              <p:spPr>
-                <a:xfrm flipV="1">
-                  <a:off x="17667104" y="7901816"/>
-                  <a:ext cx="23057" cy="468298"/>
-                </a:xfrm>
-                <a:prstGeom prst="line">
-                  <a:avLst/>
-                </a:prstGeom>
-                <a:ln w="28575">
-                  <a:solidFill>
-                    <a:srgbClr val="0070C0"/>
-                  </a:solidFill>
-                </a:ln>
-              </p:spPr>
-              <p:style>
-                <a:lnRef idx="1">
-                  <a:schemeClr val="accent1"/>
-                </a:lnRef>
-                <a:fillRef idx="0">
-                  <a:schemeClr val="accent1"/>
-                </a:fillRef>
-                <a:effectRef idx="0">
-                  <a:schemeClr val="accent1"/>
-                </a:effectRef>
-                <a:fontRef idx="minor">
-                  <a:schemeClr val="tx1"/>
-                </a:fontRef>
-              </p:style>
-            </p:cxnSp>
-            <p:cxnSp>
-              <p:nvCxnSpPr>
-                <p:cNvPr id="44" name="Straight Connector 43"/>
-                <p:cNvCxnSpPr/>
-                <p:nvPr/>
-              </p:nvCxnSpPr>
-              <p:spPr>
-                <a:xfrm>
-                  <a:off x="17690945" y="7901816"/>
-                  <a:ext cx="24432" cy="396840"/>
-                </a:xfrm>
-                <a:prstGeom prst="line">
-                  <a:avLst/>
-                </a:prstGeom>
-                <a:ln w="28575">
-                  <a:solidFill>
-                    <a:srgbClr val="0070C0"/>
-                  </a:solidFill>
-                </a:ln>
-              </p:spPr>
-              <p:style>
-                <a:lnRef idx="1">
-                  <a:schemeClr val="accent1"/>
-                </a:lnRef>
-                <a:fillRef idx="0">
-                  <a:schemeClr val="accent1"/>
-                </a:fillRef>
-                <a:effectRef idx="0">
-                  <a:schemeClr val="accent1"/>
-                </a:effectRef>
-                <a:fontRef idx="minor">
-                  <a:schemeClr val="tx1"/>
-                </a:fontRef>
-              </p:style>
-            </p:cxnSp>
-            <p:cxnSp>
-              <p:nvCxnSpPr>
-                <p:cNvPr id="45" name="Straight Connector 44"/>
-                <p:cNvCxnSpPr/>
-                <p:nvPr/>
-              </p:nvCxnSpPr>
-              <p:spPr>
-                <a:xfrm flipV="1">
-                  <a:off x="17715377" y="8005763"/>
-                  <a:ext cx="30918" cy="292893"/>
-                </a:xfrm>
-                <a:prstGeom prst="line">
-                  <a:avLst/>
-                </a:prstGeom>
-                <a:ln w="28575">
-                  <a:solidFill>
-                    <a:srgbClr val="0070C0"/>
-                  </a:solidFill>
-                </a:ln>
-              </p:spPr>
-              <p:style>
-                <a:lnRef idx="1">
-                  <a:schemeClr val="accent1"/>
-                </a:lnRef>
-                <a:fillRef idx="0">
-                  <a:schemeClr val="accent1"/>
-                </a:fillRef>
-                <a:effectRef idx="0">
-                  <a:schemeClr val="accent1"/>
-                </a:effectRef>
-                <a:fontRef idx="minor">
-                  <a:schemeClr val="tx1"/>
-                </a:fontRef>
-              </p:style>
-            </p:cxnSp>
-            <p:cxnSp>
-              <p:nvCxnSpPr>
-                <p:cNvPr id="46" name="Straight Connector 45"/>
-                <p:cNvCxnSpPr/>
-                <p:nvPr/>
-              </p:nvCxnSpPr>
-              <p:spPr>
-                <a:xfrm>
-                  <a:off x="17746295" y="8008144"/>
-                  <a:ext cx="23057" cy="244039"/>
-                </a:xfrm>
-                <a:prstGeom prst="line">
-                  <a:avLst/>
-                </a:prstGeom>
-                <a:ln w="28575">
-                  <a:solidFill>
-                    <a:srgbClr val="0070C0"/>
-                  </a:solidFill>
-                </a:ln>
-              </p:spPr>
-              <p:style>
-                <a:lnRef idx="1">
-                  <a:schemeClr val="accent1"/>
-                </a:lnRef>
-                <a:fillRef idx="0">
-                  <a:schemeClr val="accent1"/>
-                </a:fillRef>
-                <a:effectRef idx="0">
-                  <a:schemeClr val="accent1"/>
-                </a:effectRef>
-                <a:fontRef idx="minor">
-                  <a:schemeClr val="tx1"/>
-                </a:fontRef>
-              </p:style>
-            </p:cxnSp>
-            <p:cxnSp>
-              <p:nvCxnSpPr>
-                <p:cNvPr id="47" name="Straight Connector 46"/>
-                <p:cNvCxnSpPr/>
-                <p:nvPr/>
-              </p:nvCxnSpPr>
-              <p:spPr>
-                <a:xfrm flipV="1">
-                  <a:off x="17769352" y="8030404"/>
-                  <a:ext cx="41449" cy="221779"/>
-                </a:xfrm>
-                <a:prstGeom prst="line">
-                  <a:avLst/>
-                </a:prstGeom>
-                <a:ln w="28575">
-                  <a:solidFill>
-                    <a:srgbClr val="0070C0"/>
-                  </a:solidFill>
-                </a:ln>
-              </p:spPr>
-              <p:style>
-                <a:lnRef idx="1">
-                  <a:schemeClr val="accent1"/>
-                </a:lnRef>
-                <a:fillRef idx="0">
-                  <a:schemeClr val="accent1"/>
-                </a:fillRef>
-                <a:effectRef idx="0">
-                  <a:schemeClr val="accent1"/>
-                </a:effectRef>
-                <a:fontRef idx="minor">
-                  <a:schemeClr val="tx1"/>
-                </a:fontRef>
-              </p:style>
-            </p:cxnSp>
-          </p:grpSp>
-          <p:grpSp>
-            <p:nvGrpSpPr>
-              <p:cNvPr id="22" name="Group 21"/>
-              <p:cNvGrpSpPr/>
-              <p:nvPr/>
-            </p:nvGrpSpPr>
-            <p:grpSpPr>
-              <a:xfrm>
-                <a:off x="3041738" y="3127612"/>
-                <a:ext cx="1223608" cy="2337474"/>
-                <a:chOff x="1361167" y="4257573"/>
-                <a:chExt cx="1223608" cy="2337474"/>
-              </a:xfrm>
-            </p:grpSpPr>
-            <p:grpSp>
-              <p:nvGrpSpPr>
-                <p:cNvPr id="23" name="Group 22"/>
-                <p:cNvGrpSpPr/>
-                <p:nvPr/>
-              </p:nvGrpSpPr>
-              <p:grpSpPr>
-                <a:xfrm>
-                  <a:off x="1361167" y="4257573"/>
-                  <a:ext cx="1223608" cy="2337474"/>
-                  <a:chOff x="1361167" y="4257573"/>
-                  <a:chExt cx="1223608" cy="2337474"/>
-                </a:xfrm>
-              </p:grpSpPr>
-              <p:pic>
-                <p:nvPicPr>
-                  <p:cNvPr id="25" name="Picture 24"/>
-                  <p:cNvPicPr>
-                    <a:picLocks noChangeAspect="1"/>
-                  </p:cNvPicPr>
-                  <p:nvPr/>
-                </p:nvPicPr>
-                <p:blipFill>
-                  <a:blip r:embed="rId5" cstate="print">
-                    <a:extLst>
-                      <a:ext uri="{28A0092B-C50C-407E-A947-70E740481C1C}">
-                        <a14:useLocalDpi xmlns:a14="http://schemas.microsoft.com/office/drawing/2010/main" val="0"/>
-                      </a:ext>
-                    </a:extLst>
-                  </a:blip>
-                  <a:stretch>
-                    <a:fillRect/>
-                  </a:stretch>
-                </p:blipFill>
-                <p:spPr>
-                  <a:xfrm>
-                    <a:off x="1361167" y="4257573"/>
-                    <a:ext cx="1223608" cy="2337474"/>
-                  </a:xfrm>
-                  <a:prstGeom prst="rect">
-                    <a:avLst/>
-                  </a:prstGeom>
-                </p:spPr>
-              </p:pic>
-              <p:sp>
-                <p:nvSpPr>
-                  <p:cNvPr id="26" name="Rectangle 25"/>
-                  <p:cNvSpPr/>
-                  <p:nvPr/>
-                </p:nvSpPr>
-                <p:spPr>
-                  <a:xfrm>
-                    <a:off x="1481216" y="4636929"/>
-                    <a:ext cx="973234" cy="1517900"/>
-                  </a:xfrm>
-                  <a:prstGeom prst="rect">
-                    <a:avLst/>
-                  </a:prstGeom>
-                  <a:solidFill>
-                    <a:schemeClr val="bg1"/>
-                  </a:solidFill>
-                  <a:ln>
-                    <a:noFill/>
-                  </a:ln>
-                  <a:effectLst/>
-                </p:spPr>
-                <p:style>
-                  <a:lnRef idx="1">
-                    <a:schemeClr val="accent1"/>
-                  </a:lnRef>
-                  <a:fillRef idx="3">
-                    <a:schemeClr val="accent1"/>
-                  </a:fillRef>
-                  <a:effectRef idx="2">
-                    <a:schemeClr val="accent1"/>
-                  </a:effectRef>
-                  <a:fontRef idx="minor">
-                    <a:schemeClr val="lt1"/>
-                  </a:fontRef>
-                </p:style>
-                <p:txBody>
-                  <a:bodyPr rot="0" spcFirstLastPara="0" vertOverflow="overflow" horzOverflow="overflow" vert="horz" wrap="square" lIns="96012" tIns="48006" rIns="96012" bIns="48006" numCol="1" spcCol="0" rtlCol="0" fromWordArt="0" anchor="ctr" anchorCtr="0" forceAA="0" compatLnSpc="1">
-                    <a:prstTxWarp prst="textNoShape">
-                      <a:avLst/>
-                    </a:prstTxWarp>
-                    <a:noAutofit/>
-                  </a:bodyPr>
-                  <a:lstStyle/>
-                  <a:p>
-                    <a:pPr algn="ctr"/>
-                    <a:endParaRPr lang="en-US" dirty="0" err="1"/>
-                  </a:p>
-                </p:txBody>
-              </p:sp>
-            </p:grpSp>
-            <p:pic>
-              <p:nvPicPr>
-                <p:cNvPr id="24" name="Picture 23"/>
-                <p:cNvPicPr>
-                  <a:picLocks noChangeAspect="1"/>
-                </p:cNvPicPr>
-                <p:nvPr/>
-              </p:nvPicPr>
-              <p:blipFill>
-                <a:blip r:embed="rId6" cstate="print">
-                  <a:extLst>
-                    <a:ext uri="{28A0092B-C50C-407E-A947-70E740481C1C}">
-                      <a14:useLocalDpi xmlns:a14="http://schemas.microsoft.com/office/drawing/2010/main" val="0"/>
-                    </a:ext>
-                  </a:extLst>
-                </a:blip>
-                <a:stretch>
-                  <a:fillRect/>
-                </a:stretch>
-              </p:blipFill>
-              <p:spPr>
-                <a:xfrm rot="16200000">
-                  <a:off x="1312972" y="5031737"/>
-                  <a:ext cx="1296645" cy="728282"/>
-                </a:xfrm>
-                <a:prstGeom prst="rect">
-                  <a:avLst/>
-                </a:prstGeom>
-              </p:spPr>
-            </p:pic>
-          </p:grpSp>
-        </p:grpSp>
-        <p:grpSp>
-          <p:nvGrpSpPr>
-            <p:cNvPr id="69" name="Group 68"/>
-            <p:cNvGrpSpPr/>
-            <p:nvPr/>
-          </p:nvGrpSpPr>
-          <p:grpSpPr>
-            <a:xfrm>
-              <a:off x="3545510" y="2129861"/>
-              <a:ext cx="2201777" cy="1036359"/>
-              <a:chOff x="3445622" y="2129861"/>
-              <a:chExt cx="2201777" cy="1036359"/>
-            </a:xfrm>
-          </p:grpSpPr>
-          <p:sp>
-            <p:nvSpPr>
-              <p:cNvPr id="70" name="Freeform 69"/>
-              <p:cNvSpPr/>
-              <p:nvPr/>
-            </p:nvSpPr>
-            <p:spPr>
-              <a:xfrm>
-                <a:off x="3445622" y="2670381"/>
-                <a:ext cx="2201777" cy="495839"/>
-              </a:xfrm>
-              <a:custGeom>
-                <a:avLst/>
-                <a:gdLst>
-                  <a:gd name="connsiteX0" fmla="*/ 0 w 2006600"/>
-                  <a:gd name="connsiteY0" fmla="*/ 533652 h 533652"/>
-                  <a:gd name="connsiteX1" fmla="*/ 647700 w 2006600"/>
-                  <a:gd name="connsiteY1" fmla="*/ 252 h 533652"/>
-                  <a:gd name="connsiteX2" fmla="*/ 2006600 w 2006600"/>
-                  <a:gd name="connsiteY2" fmla="*/ 457452 h 533652"/>
-                  <a:gd name="connsiteX3" fmla="*/ 2006600 w 2006600"/>
-                  <a:gd name="connsiteY3" fmla="*/ 457452 h 533652"/>
-                </a:gdLst>
-                <a:ahLst/>
-                <a:cxnLst>
-                  <a:cxn ang="0">
-                    <a:pos x="connsiteX0" y="connsiteY0"/>
-                  </a:cxn>
-                  <a:cxn ang="0">
-                    <a:pos x="connsiteX1" y="connsiteY1"/>
-                  </a:cxn>
-                  <a:cxn ang="0">
-                    <a:pos x="connsiteX2" y="connsiteY2"/>
-                  </a:cxn>
-                  <a:cxn ang="0">
-                    <a:pos x="connsiteX3" y="connsiteY3"/>
-                  </a:cxn>
-                </a:cxnLst>
-                <a:rect l="l" t="t" r="r" b="b"/>
-                <a:pathLst>
-                  <a:path w="2006600" h="533652">
-                    <a:moveTo>
-                      <a:pt x="0" y="533652"/>
-                    </a:moveTo>
-                    <a:cubicBezTo>
-                      <a:pt x="156633" y="273302"/>
-                      <a:pt x="313267" y="12952"/>
-                      <a:pt x="647700" y="252"/>
-                    </a:cubicBezTo>
-                    <a:cubicBezTo>
-                      <a:pt x="982133" y="-12448"/>
-                      <a:pt x="2006600" y="457452"/>
-                      <a:pt x="2006600" y="457452"/>
-                    </a:cubicBezTo>
-                    <a:lnTo>
-                      <a:pt x="2006600" y="457452"/>
-                    </a:lnTo>
-                  </a:path>
-                </a:pathLst>
-              </a:custGeom>
-              <a:noFill/>
-              <a:ln w="38100">
-                <a:solidFill>
-                  <a:schemeClr val="accent3">
-                    <a:lumMod val="50000"/>
-                  </a:schemeClr>
-                </a:solidFill>
-                <a:headEnd type="none" w="med" len="med"/>
-                <a:tailEnd type="arrow" w="med" len="med"/>
-              </a:ln>
-              <a:effectLst/>
-            </p:spPr>
-            <p:style>
-              <a:lnRef idx="2">
-                <a:schemeClr val="accent1">
-                  <a:shade val="50000"/>
-                </a:schemeClr>
-              </a:lnRef>
-              <a:fillRef idx="1">
-                <a:schemeClr val="accent1"/>
-              </a:fillRef>
-              <a:effectRef idx="0">
+              <a:effectRef idx="2">
                 <a:schemeClr val="accent1"/>
               </a:effectRef>
               <a:fontRef idx="minor">
@@ -13540,63 +13508,50 @@
               </a:fontRef>
             </p:style>
             <p:txBody>
-              <a:bodyPr rtlCol="0" anchor="ctr"/>
+              <a:bodyPr rot="0" spcFirstLastPara="0" vertOverflow="overflow" horzOverflow="overflow" vert="horz" wrap="square" lIns="40505" tIns="20253" rIns="40505" bIns="20253" numCol="1" spcCol="0" rtlCol="0" fromWordArt="0" anchor="ctr" anchorCtr="0" forceAA="0" compatLnSpc="1">
+                <a:prstTxWarp prst="textNoShape">
+                  <a:avLst/>
+                </a:prstTxWarp>
+                <a:noAutofit/>
+              </a:bodyPr>
               <a:lstStyle/>
               <a:p>
                 <a:pPr algn="ctr"/>
-                <a:endParaRPr lang="en-US" sz="1260">
-                  <a:solidFill>
-                    <a:srgbClr val="A8927A"/>
-                  </a:solidFill>
-                </a:endParaRPr>
-              </a:p>
-            </p:txBody>
-          </p:sp>
-          <p:sp>
-            <p:nvSpPr>
-              <p:cNvPr id="71" name="TextBox 70"/>
-              <p:cNvSpPr txBox="1"/>
-              <p:nvPr/>
-            </p:nvSpPr>
-            <p:spPr>
-              <a:xfrm>
-                <a:off x="3909057" y="2129861"/>
-                <a:ext cx="747819" cy="365813"/>
-              </a:xfrm>
-              <a:prstGeom prst="rect">
-                <a:avLst/>
-              </a:prstGeom>
-              <a:noFill/>
-              <a:effectLst/>
-            </p:spPr>
-            <p:txBody>
-              <a:bodyPr wrap="square" rtlCol="0">
-                <a:spAutoFit/>
-              </a:bodyPr>
-              <a:lstStyle/>
-              <a:p>
-                <a:r>
-                  <a:rPr lang="en-US" sz="4200" dirty="0">
-                    <a:solidFill>
-                      <a:schemeClr val="accent3">
-                        <a:lumMod val="50000"/>
-                      </a:schemeClr>
-                    </a:solidFill>
-                  </a:rPr>
-                  <a:t>try</a:t>
-                </a:r>
-                <a:endParaRPr lang="en-US" sz="4200" dirty="0">
-                  <a:solidFill>
-                    <a:schemeClr val="accent3">
-                      <a:lumMod val="50000"/>
-                    </a:schemeClr>
-                  </a:solidFill>
-                  <a:latin typeface="Symbol" panose="05050102010706020507" pitchFamily="18" charset="2"/>
-                </a:endParaRPr>
+                <a:endParaRPr lang="en-US" dirty="0" err="1"/>
               </a:p>
             </p:txBody>
           </p:sp>
         </p:grpSp>
+        <p:pic>
+          <p:nvPicPr>
+            <p:cNvPr id="75" name="Picture 74"/>
+            <p:cNvPicPr>
+              <a:picLocks noChangeAspect="1"/>
+            </p:cNvPicPr>
+            <p:nvPr/>
+          </p:nvPicPr>
+          <p:blipFill>
+            <a:blip r:embed="rId6">
+              <a:extLst>
+                <a:ext uri="{28A0092B-C50C-407E-A947-70E740481C1C}">
+                  <a14:useLocalDpi xmlns:a14="http://schemas.microsoft.com/office/drawing/2010/main" val="0"/>
+                </a:ext>
+              </a:extLst>
+            </a:blip>
+            <a:stretch>
+              <a:fillRect/>
+            </a:stretch>
+          </p:blipFill>
+          <p:spPr>
+            <a:xfrm rot="16200000">
+              <a:off x="3532078" y="5921415"/>
+              <a:ext cx="2473947" cy="1611238"/>
+            </a:xfrm>
+            <a:prstGeom prst="rect">
+              <a:avLst/>
+            </a:prstGeom>
+          </p:spPr>
+        </p:pic>
       </p:grpSp>
     </p:spTree>
     <p:extLst>
